--- a/lecture-materials/Analytics/redshift/redshift.pptx
+++ b/lecture-materials/Analytics/redshift/redshift.pptx
@@ -211,7 +211,7 @@
           <a:p>
             <a:fld id="{4D11E9AC-04A0-8649-ACB6-EDDDD50D2710}" type="datetimeFigureOut">
               <a:rPr lang="en-CH" smtClean="0"/>
-              <a:t>11.09.23</a:t>
+              <a:t>05.02.2024</a:t>
             </a:fld>
             <a:endParaRPr lang="en-CH"/>
           </a:p>
@@ -712,7 +712,7 @@
           <a:p>
             <a:fld id="{322C9020-58D6-4B4B-AE71-CBBD8D6FD410}" type="datetimeFigureOut">
               <a:rPr lang="en-CH" smtClean="0"/>
-              <a:t>11.09.23</a:t>
+              <a:t>05.02.2024</a:t>
             </a:fld>
             <a:endParaRPr lang="en-CH"/>
           </a:p>
@@ -912,7 +912,7 @@
           <a:p>
             <a:fld id="{322C9020-58D6-4B4B-AE71-CBBD8D6FD410}" type="datetimeFigureOut">
               <a:rPr lang="en-CH" smtClean="0"/>
-              <a:t>11.09.23</a:t>
+              <a:t>05.02.2024</a:t>
             </a:fld>
             <a:endParaRPr lang="en-CH"/>
           </a:p>
@@ -1122,7 +1122,7 @@
           <a:p>
             <a:fld id="{322C9020-58D6-4B4B-AE71-CBBD8D6FD410}" type="datetimeFigureOut">
               <a:rPr lang="en-CH" smtClean="0"/>
-              <a:t>11.09.23</a:t>
+              <a:t>05.02.2024</a:t>
             </a:fld>
             <a:endParaRPr lang="en-CH"/>
           </a:p>
@@ -1322,7 +1322,7 @@
           <a:p>
             <a:fld id="{322C9020-58D6-4B4B-AE71-CBBD8D6FD410}" type="datetimeFigureOut">
               <a:rPr lang="en-CH" smtClean="0"/>
-              <a:t>11.09.23</a:t>
+              <a:t>05.02.2024</a:t>
             </a:fld>
             <a:endParaRPr lang="en-CH"/>
           </a:p>
@@ -1598,7 +1598,7 @@
           <a:p>
             <a:fld id="{322C9020-58D6-4B4B-AE71-CBBD8D6FD410}" type="datetimeFigureOut">
               <a:rPr lang="en-CH" smtClean="0"/>
-              <a:t>11.09.23</a:t>
+              <a:t>05.02.2024</a:t>
             </a:fld>
             <a:endParaRPr lang="en-CH"/>
           </a:p>
@@ -1866,7 +1866,7 @@
           <a:p>
             <a:fld id="{322C9020-58D6-4B4B-AE71-CBBD8D6FD410}" type="datetimeFigureOut">
               <a:rPr lang="en-CH" smtClean="0"/>
-              <a:t>11.09.23</a:t>
+              <a:t>05.02.2024</a:t>
             </a:fld>
             <a:endParaRPr lang="en-CH"/>
           </a:p>
@@ -2281,7 +2281,7 @@
           <a:p>
             <a:fld id="{322C9020-58D6-4B4B-AE71-CBBD8D6FD410}" type="datetimeFigureOut">
               <a:rPr lang="en-CH" smtClean="0"/>
-              <a:t>11.09.23</a:t>
+              <a:t>05.02.2024</a:t>
             </a:fld>
             <a:endParaRPr lang="en-CH"/>
           </a:p>
@@ -2423,7 +2423,7 @@
           <a:p>
             <a:fld id="{322C9020-58D6-4B4B-AE71-CBBD8D6FD410}" type="datetimeFigureOut">
               <a:rPr lang="en-CH" smtClean="0"/>
-              <a:t>11.09.23</a:t>
+              <a:t>05.02.2024</a:t>
             </a:fld>
             <a:endParaRPr lang="en-CH"/>
           </a:p>
@@ -2536,7 +2536,7 @@
           <a:p>
             <a:fld id="{322C9020-58D6-4B4B-AE71-CBBD8D6FD410}" type="datetimeFigureOut">
               <a:rPr lang="en-CH" smtClean="0"/>
-              <a:t>11.09.23</a:t>
+              <a:t>05.02.2024</a:t>
             </a:fld>
             <a:endParaRPr lang="en-CH"/>
           </a:p>
@@ -2849,7 +2849,7 @@
           <a:p>
             <a:fld id="{322C9020-58D6-4B4B-AE71-CBBD8D6FD410}" type="datetimeFigureOut">
               <a:rPr lang="en-CH" smtClean="0"/>
-              <a:t>11.09.23</a:t>
+              <a:t>05.02.2024</a:t>
             </a:fld>
             <a:endParaRPr lang="en-CH"/>
           </a:p>
@@ -3138,7 +3138,7 @@
           <a:p>
             <a:fld id="{322C9020-58D6-4B4B-AE71-CBBD8D6FD410}" type="datetimeFigureOut">
               <a:rPr lang="en-CH" smtClean="0"/>
-              <a:t>11.09.23</a:t>
+              <a:t>05.02.2024</a:t>
             </a:fld>
             <a:endParaRPr lang="en-CH"/>
           </a:p>
@@ -3381,7 +3381,7 @@
           <a:p>
             <a:fld id="{322C9020-58D6-4B4B-AE71-CBBD8D6FD410}" type="datetimeFigureOut">
               <a:rPr lang="en-CH" smtClean="0"/>
-              <a:t>11.09.23</a:t>
+              <a:t>05.02.2024</a:t>
             </a:fld>
             <a:endParaRPr lang="en-CH"/>
           </a:p>
@@ -5951,9 +5951,11 @@
               <a:buChar char="•"/>
             </a:pPr>
             <a:r>
-              <a:rPr lang="en-GB" sz="1400" b="0" i="0" dirty="0">
+              <a:rPr lang="en-GB" sz="1400" b="1" i="0" dirty="0">
                 <a:effectLst/>
-                <a:latin typeface="Open Sans" panose="020B0606030504020204" pitchFamily="34" charset="0"/>
+                <a:highlight>
+                  <a:srgbClr val="FFFF00"/>
+                </a:highlight>
               </a:rPr>
               <a:t>Enables you to run queries against exabytes of data in S3 without having to load or transform any data.</a:t>
             </a:r>
@@ -5966,7 +5968,6 @@
             <a:r>
               <a:rPr lang="en-GB" sz="1400" b="0" i="0" dirty="0">
                 <a:effectLst/>
-                <a:latin typeface="Open Sans" panose="020B0606030504020204" pitchFamily="34" charset="0"/>
               </a:rPr>
               <a:t>Redshift Spectrum supports Enhanced VPC Routing.</a:t>
             </a:r>
@@ -5979,7 +5980,6 @@
             <a:r>
               <a:rPr lang="en-GB" sz="1400" b="0" i="0" dirty="0">
                 <a:effectLst/>
-                <a:latin typeface="Open Sans" panose="020B0606030504020204" pitchFamily="34" charset="0"/>
               </a:rPr>
               <a:t>If you store data in a columnar format, Redshift Spectrum scans only the columns needed by your query, rather than processing entire rows.</a:t>
             </a:r>
@@ -5992,13 +5992,9 @@
             <a:r>
               <a:rPr lang="en-GB" sz="1400" b="0" i="0" dirty="0">
                 <a:effectLst/>
-                <a:latin typeface="Open Sans" panose="020B0606030504020204" pitchFamily="34" charset="0"/>
               </a:rPr>
               <a:t>If you compress your data using one of Redshift Spectrum’s supported compression algorithms, less data is scanned.</a:t>
             </a:r>
-          </a:p>
-          <a:p>
-            <a:endParaRPr lang="en-CH" sz="1400" dirty="0"/>
           </a:p>
         </p:txBody>
       </p:sp>
@@ -7787,34 +7783,110 @@
         </p:spPr>
         <p:txBody>
           <a:bodyPr>
-            <a:normAutofit fontScale="92500" lnSpcReduction="10000"/>
+            <a:normAutofit fontScale="92500" lnSpcReduction="20000"/>
           </a:bodyPr>
           <a:lstStyle/>
           <a:p>
+            <a:r>
+              <a:rPr lang="en-GB" sz="1600" b="1" i="0" dirty="0">
+                <a:effectLst/>
+                <a:latin typeface="Söhne"/>
+              </a:rPr>
+              <a:t>OLTP</a:t>
+            </a:r>
             <a:r>
               <a:rPr lang="en-GB" sz="1600" b="0" i="0" dirty="0">
                 <a:effectLst/>
                 <a:latin typeface="Söhne"/>
               </a:rPr>
-              <a:t>OLTP (Online Transaction Processing) and OLAP (Online Analytical Processing) serve distinct roles in data processing and analysis. </a:t>
-            </a:r>
-          </a:p>
-          <a:p>
+              <a:t> (</a:t>
+            </a:r>
+            <a:r>
+              <a:rPr lang="en-GB" sz="1600" b="1" i="0" dirty="0">
+                <a:effectLst/>
+                <a:latin typeface="Söhne"/>
+              </a:rPr>
+              <a:t>Online Transaction Processing</a:t>
+            </a:r>
             <a:r>
               <a:rPr lang="en-GB" sz="1600" b="0" i="0" dirty="0">
                 <a:effectLst/>
                 <a:latin typeface="Söhne"/>
               </a:rPr>
-              <a:t>OLTP systems are optimized for transactional efficiency, handling a large number of short, atomic transactions to ensure data integrity and operational speed, which makes them ideal for routine operations such as order processing in e-commerce platforms. </a:t>
-            </a:r>
-          </a:p>
-          <a:p>
+              <a:t>) and </a:t>
+            </a:r>
+            <a:r>
+              <a:rPr lang="en-GB" sz="1600" b="1" i="0" dirty="0">
+                <a:effectLst/>
+                <a:latin typeface="Söhne"/>
+              </a:rPr>
+              <a:t>OLAP</a:t>
+            </a:r>
             <a:r>
               <a:rPr lang="en-GB" sz="1600" b="0" i="0" dirty="0">
                 <a:effectLst/>
                 <a:latin typeface="Söhne"/>
               </a:rPr>
-              <a:t>On the other hand, OLAP systems are designed for analytical performance, working with complex queries on large datasets to facilitate deep analysis and reporting, commonly used in data warehousing environments where business analysts derive insights from large volumes of historical data. </a:t>
+              <a:t> (</a:t>
+            </a:r>
+            <a:r>
+              <a:rPr lang="en-GB" sz="1600" b="1" i="0" dirty="0">
+                <a:effectLst/>
+                <a:latin typeface="Söhne"/>
+              </a:rPr>
+              <a:t>Online Analytical Processing</a:t>
+            </a:r>
+            <a:r>
+              <a:rPr lang="en-GB" sz="1600" b="0" i="0" dirty="0">
+                <a:effectLst/>
+                <a:latin typeface="Söhne"/>
+              </a:rPr>
+              <a:t>) serve distinct roles in data processing and analysis. </a:t>
+            </a:r>
+          </a:p>
+          <a:p>
+            <a:r>
+              <a:rPr lang="en-GB" sz="1600" b="1" i="0" dirty="0">
+                <a:effectLst/>
+                <a:highlight>
+                  <a:srgbClr val="FFFF00"/>
+                </a:highlight>
+                <a:latin typeface="Söhne"/>
+              </a:rPr>
+              <a:t>OLTP systems are optimized for transactional efficiency</a:t>
+            </a:r>
+            <a:r>
+              <a:rPr lang="en-GB" sz="1600" b="0" i="0" dirty="0">
+                <a:effectLst/>
+                <a:latin typeface="Söhne"/>
+              </a:rPr>
+              <a:t>, handling a large number of short, atomic transactions to ensure data integrity and operational speed, which makes them ideal for routine operations such as order processing in e-commerce platforms. </a:t>
+            </a:r>
+          </a:p>
+          <a:p>
+            <a:r>
+              <a:rPr lang="en-GB" sz="1600" b="0" i="0" dirty="0">
+                <a:effectLst/>
+                <a:latin typeface="Söhne"/>
+              </a:rPr>
+              <a:t>On the other hand, </a:t>
+            </a:r>
+            <a:r>
+              <a:rPr lang="en-GB" sz="1600" b="1" i="0" dirty="0">
+                <a:effectLst/>
+                <a:highlight>
+                  <a:srgbClr val="FFFF00"/>
+                </a:highlight>
+                <a:latin typeface="Söhne"/>
+              </a:rPr>
+              <a:t>OLAP systems are designed for analytical performance</a:t>
+            </a:r>
+            <a:r>
+              <a:rPr lang="en-GB" sz="1600" b="0" i="0" dirty="0">
+                <a:effectLst/>
+                <a:latin typeface="Söhne"/>
+              </a:rPr>
+              <a:t>, working with complex queries on large datasets to facilitate deep analysis and reporting, commonly used in data warehousing environments where business analysts derive insights from large volumes of historical data. </a:t>
             </a:r>
           </a:p>
           <a:p>
@@ -7832,7 +7904,7 @@
                 <a:effectLst/>
                 <a:latin typeface="Söhne"/>
               </a:rPr>
-              <a:t>OLAP databases are geared towards optimizing complex query performance, often through denormalized data schemas that support a broad range of queries for business intelligence and analytical reports. In summary, </a:t>
+              <a:t>OLAP databases are geared towards optimizing complex query performance, often through denormalized data schemas that support a broad range of queries for business intelligence and analytical reports. </a:t>
             </a:r>
           </a:p>
           <a:p>
@@ -7841,7 +7913,35 @@
                 <a:effectLst/>
                 <a:latin typeface="Söhne"/>
               </a:rPr>
-              <a:t>OLTP is tailored for transactional workloads where efficiency and data integrity are paramount, whereas OLAP focuses on providing comprehensive analytics and facilitating data discovery through multidimensional queries.</a:t>
+              <a:t>In summary, </a:t>
+            </a:r>
+            <a:r>
+              <a:rPr lang="en-GB" sz="1600" b="1" i="0" dirty="0">
+                <a:effectLst/>
+                <a:latin typeface="Söhne"/>
+              </a:rPr>
+              <a:t>OLTP is tailored for transactional workloads where efficiency and data integrity are paramount</a:t>
+            </a:r>
+            <a:r>
+              <a:rPr lang="en-GB" sz="1600" b="0" i="0" dirty="0">
+                <a:effectLst/>
+                <a:latin typeface="Söhne"/>
+              </a:rPr>
+              <a:t>, whereas </a:t>
+            </a:r>
+            <a:r>
+              <a:rPr lang="en-GB" sz="1600" b="1" i="0" dirty="0">
+                <a:effectLst/>
+                <a:latin typeface="Söhne"/>
+              </a:rPr>
+              <a:t>OLAP focuses on providing comprehensive analytics and facilitating data discovery through multidimensional queries</a:t>
+            </a:r>
+            <a:r>
+              <a:rPr lang="en-GB" sz="1600" b="0" i="0" dirty="0">
+                <a:effectLst/>
+                <a:latin typeface="Söhne"/>
+              </a:rPr>
+              <a:t>.</a:t>
             </a:r>
             <a:endParaRPr lang="en-CH" sz="1600" dirty="0"/>
           </a:p>
@@ -8029,8 +8129,20 @@
               <a:buChar char="•"/>
             </a:pPr>
             <a:r>
+              <a:rPr lang="en-GB" sz="1600" b="1" dirty="0"/>
+              <a:t>Cluster</a:t>
+            </a:r>
+            <a:r>
               <a:rPr lang="en-GB" sz="1600" dirty="0"/>
-              <a:t>Cluster – a set of nodes, which consists of a leader node and one or more compute nodes.</a:t>
+              <a:t> – a </a:t>
+            </a:r>
+            <a:r>
+              <a:rPr lang="en-GB" sz="1600" b="1" dirty="0"/>
+              <a:t>set of nodes</a:t>
+            </a:r>
+            <a:r>
+              <a:rPr lang="en-GB" sz="1600" dirty="0"/>
+              <a:t>, which consists of a leader node and one or more compute nodes.</a:t>
             </a:r>
           </a:p>
           <a:p>
@@ -8040,7 +8152,7 @@
             </a:pPr>
             <a:r>
               <a:rPr lang="en-GB" sz="1600" dirty="0"/>
-              <a:t>Redshift creates one database when you provision a cluster. This is the database you use to load data and run queries on your data.</a:t>
+              <a:t>Redshift creates one database when you provision a cluster.</a:t>
             </a:r>
           </a:p>
           <a:p>
@@ -8050,7 +8162,7 @@
             </a:pPr>
             <a:r>
               <a:rPr lang="en-GB" sz="1600" dirty="0"/>
-              <a:t>You can scale the cluster in or out by adding or removing nodes. Additionally, you can scale the cluster up or down by specifying a different node type.</a:t>
+              <a:t>This is the database you use to load data and run queries on your data.</a:t>
             </a:r>
           </a:p>
           <a:p>
@@ -8060,7 +8172,7 @@
             </a:pPr>
             <a:r>
               <a:rPr lang="en-GB" sz="1600" dirty="0"/>
-              <a:t>Redshift assigns a 30-minute maintenance window at random from an 8-hour block of time per region, occurring on a random day of the week. During these maintenance windows, your cluster is not available for normal operations.</a:t>
+              <a:t>You can scale the cluster in or out by adding or removing nodes.</a:t>
             </a:r>
           </a:p>
           <a:p>
@@ -8070,7 +8182,47 @@
             </a:pPr>
             <a:r>
               <a:rPr lang="en-GB" sz="1600" dirty="0"/>
-              <a:t>Redshift supports both the EC2 VPC and EC2-Classic platforms to launch a cluster. You create a cluster subnet group if you are provisioning your cluster in your VPC, which allows you to specify a set of subnets in your VPC.</a:t>
+              <a:t>Additionally, you can scale the cluster up or down by specifying a different node type.</a:t>
+            </a:r>
+          </a:p>
+          <a:p>
+            <a:pPr marL="742950" lvl="1" indent="-285750">
+              <a:buFont typeface="Arial" panose="020B0604020202020204" pitchFamily="34" charset="0"/>
+              <a:buChar char="•"/>
+            </a:pPr>
+            <a:r>
+              <a:rPr lang="en-GB" sz="1600" dirty="0"/>
+              <a:t>Redshift assigns a 30-minute maintenance window at random from an 8-hour block of time per region, occurring on a random day of the week. </a:t>
+            </a:r>
+          </a:p>
+          <a:p>
+            <a:pPr marL="742950" lvl="1" indent="-285750">
+              <a:buFont typeface="Arial" panose="020B0604020202020204" pitchFamily="34" charset="0"/>
+              <a:buChar char="•"/>
+            </a:pPr>
+            <a:r>
+              <a:rPr lang="en-GB" sz="1600" dirty="0"/>
+              <a:t>During these maintenance windows, your cluster is not available for normal operations.</a:t>
+            </a:r>
+          </a:p>
+          <a:p>
+            <a:pPr marL="742950" lvl="1" indent="-285750">
+              <a:buFont typeface="Arial" panose="020B0604020202020204" pitchFamily="34" charset="0"/>
+              <a:buChar char="•"/>
+            </a:pPr>
+            <a:r>
+              <a:rPr lang="en-GB" sz="1600" dirty="0"/>
+              <a:t>Redshift supports both the EC2 VPC and EC2-Classic platforms to launch a cluster. </a:t>
+            </a:r>
+          </a:p>
+          <a:p>
+            <a:pPr marL="742950" lvl="1" indent="-285750">
+              <a:buFont typeface="Arial" panose="020B0604020202020204" pitchFamily="34" charset="0"/>
+              <a:buChar char="•"/>
+            </a:pPr>
+            <a:r>
+              <a:rPr lang="en-GB" sz="1600" dirty="0"/>
+              <a:t>You create a cluster subnet group if you are provisioning your cluster in your VPC, which allows you to specify a set of subnets in your VPC.</a:t>
             </a:r>
           </a:p>
         </p:txBody>
@@ -10019,7 +10171,16 @@
               <a:rPr lang="en-GB" sz="1400" b="0" i="0" dirty="0">
                 <a:effectLst/>
               </a:rPr>
-              <a:t>You can also change the node type, such as from DS2 nodes to RA3 nodes. Elastic resize is a fast operation, typically completing in minutes. </a:t>
+              <a:t>You can also change the node type, such as from DS2 nodes to RA3 nodes.</a:t>
+            </a:r>
+          </a:p>
+          <a:p>
+            <a:pPr lvl="1"/>
+            <a:r>
+              <a:rPr lang="en-GB" sz="1400" b="0" i="0" dirty="0">
+                <a:effectLst/>
+              </a:rPr>
+              <a:t>Elastic resize is a fast operation, typically completing in minutes. </a:t>
             </a:r>
           </a:p>
           <a:p>
@@ -10037,7 +10198,7 @@
               <a:rPr lang="en-GB" sz="1400" b="0" i="0" dirty="0">
                 <a:effectLst/>
               </a:rPr>
-              <a:t> When you perform an elastic resize, it redistributes data slices, which are partitions that are allocated memory and disk space in each node. </a:t>
+              <a:t>When you perform an elastic resize, it redistributes data slices, which are partitions that are allocated memory and disk space in each node. </a:t>
             </a:r>
           </a:p>
           <a:p>
@@ -10070,16 +10231,22 @@
               <a:t>– This is commonly called an </a:t>
             </a:r>
             <a:r>
-              <a:rPr lang="en-GB" sz="1400" b="0" i="1" dirty="0">
+              <a:rPr lang="en-GB" sz="1400" b="1" i="1" dirty="0">
                 <a:effectLst/>
               </a:rPr>
               <a:t>in-place</a:t>
             </a:r>
             <a:r>
+              <a:rPr lang="en-GB" sz="1400" b="1" i="0" dirty="0">
+                <a:effectLst/>
+              </a:rPr>
+              <a:t> resize</a:t>
+            </a:r>
+            <a:r>
               <a:rPr lang="en-GB" sz="1400" b="0" i="0" dirty="0">
                 <a:effectLst/>
               </a:rPr>
-              <a:t> resize. When you perform this type of resize, some running queries complete successfully, but others can be dropped as part of the operation. An elastic resize completes within a few minutes.</a:t>
+              <a:t>. When you perform this type of resize, some running queries complete successfully, but others can be dropped as part of the operation. An elastic resize completes within a few minutes.</a:t>
             </a:r>
           </a:p>
           <a:p>
@@ -12513,7 +12680,7 @@
             </a:pPr>
             <a:r>
               <a:rPr lang="en-GB" sz="1600" dirty="0"/>
-              <a:t>Automated snapshots are enabled by default when you create a cluster. These snapshots are deleted at the end of a retention period, which is one day, but you can modify it. You cannot delete an automated snapshot manually.</a:t>
+              <a:t>Automated snapshots are enabled by default when you create a cluster. </a:t>
             </a:r>
           </a:p>
           <a:p>
@@ -12523,6 +12690,24 @@
             </a:pPr>
             <a:r>
               <a:rPr lang="en-GB" sz="1600" dirty="0"/>
+              <a:t>These snapshots are deleted at the end of a retention period, which is one day, but you can modify it. </a:t>
+            </a:r>
+            <a:r>
+              <a:rPr lang="en-GB" sz="1600" b="1" dirty="0"/>
+              <a:t>You cannot delete an automated snapshot manually</a:t>
+            </a:r>
+            <a:r>
+              <a:rPr lang="en-GB" sz="1600" dirty="0"/>
+              <a:t>.</a:t>
+            </a:r>
+          </a:p>
+          <a:p>
+            <a:pPr>
+              <a:buFont typeface="Arial" panose="020B0604020202020204" pitchFamily="34" charset="0"/>
+              <a:buChar char="•"/>
+            </a:pPr>
+            <a:r>
+              <a:rPr lang="en-GB" sz="1600" b="1" dirty="0"/>
               <a:t>By default, manual snapshots are retained indefinitely, even after you delete your cluster.</a:t>
             </a:r>
           </a:p>
@@ -12988,7 +13173,7 @@
         </p:spPr>
         <p:txBody>
           <a:bodyPr anchor="t">
-            <a:normAutofit/>
+            <a:normAutofit lnSpcReduction="10000"/>
           </a:bodyPr>
           <a:lstStyle/>
           <a:p>
@@ -13018,6 +13203,8 @@
               <a:rPr lang="en-GB" sz="2000" dirty="0"/>
               <a:t> that can be used to copy data from different kinds of sources to Redshift. </a:t>
             </a:r>
+          </a:p>
+          <a:p>
             <a:r>
               <a:rPr lang="en-GB" sz="2000" dirty="0" err="1"/>
               <a:t>RedshiftCopyActivity</a:t>

--- a/lecture-materials/Analytics/redshift/redshift.pptx
+++ b/lecture-materials/Analytics/redshift/redshift.pptx
@@ -5,7 +5,7 @@
     <p:sldMasterId id="2147483648" r:id="rId1"/>
   </p:sldMasterIdLst>
   <p:notesMasterIdLst>
-    <p:notesMasterId r:id="rId17"/>
+    <p:notesMasterId r:id="rId15"/>
   </p:notesMasterIdLst>
   <p:sldIdLst>
     <p:sldId id="256" r:id="rId2"/>
@@ -13,16 +13,14 @@
     <p:sldId id="257" r:id="rId4"/>
     <p:sldId id="259" r:id="rId5"/>
     <p:sldId id="263" r:id="rId6"/>
-    <p:sldId id="264" r:id="rId7"/>
-    <p:sldId id="260" r:id="rId8"/>
-    <p:sldId id="261" r:id="rId9"/>
-    <p:sldId id="267" r:id="rId10"/>
-    <p:sldId id="269" r:id="rId11"/>
-    <p:sldId id="268" r:id="rId12"/>
-    <p:sldId id="266" r:id="rId13"/>
-    <p:sldId id="262" r:id="rId14"/>
-    <p:sldId id="265" r:id="rId15"/>
-    <p:sldId id="270" r:id="rId16"/>
+    <p:sldId id="260" r:id="rId7"/>
+    <p:sldId id="261" r:id="rId8"/>
+    <p:sldId id="267" r:id="rId9"/>
+    <p:sldId id="269" r:id="rId10"/>
+    <p:sldId id="266" r:id="rId11"/>
+    <p:sldId id="262" r:id="rId12"/>
+    <p:sldId id="265" r:id="rId13"/>
+    <p:sldId id="270" r:id="rId14"/>
   </p:sldIdLst>
   <p:sldSz cx="12192000" cy="6858000"/>
   <p:notesSz cx="6858000" cy="9144000"/>
@@ -211,7 +209,7 @@
           <a:p>
             <a:fld id="{4D11E9AC-04A0-8649-ACB6-EDDDD50D2710}" type="datetimeFigureOut">
               <a:rPr lang="en-CH" smtClean="0"/>
-              <a:t>05.02.2024</a:t>
+              <a:t>21.02.2024</a:t>
             </a:fld>
             <a:endParaRPr lang="en-CH"/>
           </a:p>
@@ -712,7 +710,7 @@
           <a:p>
             <a:fld id="{322C9020-58D6-4B4B-AE71-CBBD8D6FD410}" type="datetimeFigureOut">
               <a:rPr lang="en-CH" smtClean="0"/>
-              <a:t>05.02.2024</a:t>
+              <a:t>21.02.2024</a:t>
             </a:fld>
             <a:endParaRPr lang="en-CH"/>
           </a:p>
@@ -912,7 +910,7 @@
           <a:p>
             <a:fld id="{322C9020-58D6-4B4B-AE71-CBBD8D6FD410}" type="datetimeFigureOut">
               <a:rPr lang="en-CH" smtClean="0"/>
-              <a:t>05.02.2024</a:t>
+              <a:t>21.02.2024</a:t>
             </a:fld>
             <a:endParaRPr lang="en-CH"/>
           </a:p>
@@ -1122,7 +1120,7 @@
           <a:p>
             <a:fld id="{322C9020-58D6-4B4B-AE71-CBBD8D6FD410}" type="datetimeFigureOut">
               <a:rPr lang="en-CH" smtClean="0"/>
-              <a:t>05.02.2024</a:t>
+              <a:t>21.02.2024</a:t>
             </a:fld>
             <a:endParaRPr lang="en-CH"/>
           </a:p>
@@ -1322,7 +1320,7 @@
           <a:p>
             <a:fld id="{322C9020-58D6-4B4B-AE71-CBBD8D6FD410}" type="datetimeFigureOut">
               <a:rPr lang="en-CH" smtClean="0"/>
-              <a:t>05.02.2024</a:t>
+              <a:t>21.02.2024</a:t>
             </a:fld>
             <a:endParaRPr lang="en-CH"/>
           </a:p>
@@ -1598,7 +1596,7 @@
           <a:p>
             <a:fld id="{322C9020-58D6-4B4B-AE71-CBBD8D6FD410}" type="datetimeFigureOut">
               <a:rPr lang="en-CH" smtClean="0"/>
-              <a:t>05.02.2024</a:t>
+              <a:t>21.02.2024</a:t>
             </a:fld>
             <a:endParaRPr lang="en-CH"/>
           </a:p>
@@ -1866,7 +1864,7 @@
           <a:p>
             <a:fld id="{322C9020-58D6-4B4B-AE71-CBBD8D6FD410}" type="datetimeFigureOut">
               <a:rPr lang="en-CH" smtClean="0"/>
-              <a:t>05.02.2024</a:t>
+              <a:t>21.02.2024</a:t>
             </a:fld>
             <a:endParaRPr lang="en-CH"/>
           </a:p>
@@ -2281,7 +2279,7 @@
           <a:p>
             <a:fld id="{322C9020-58D6-4B4B-AE71-CBBD8D6FD410}" type="datetimeFigureOut">
               <a:rPr lang="en-CH" smtClean="0"/>
-              <a:t>05.02.2024</a:t>
+              <a:t>21.02.2024</a:t>
             </a:fld>
             <a:endParaRPr lang="en-CH"/>
           </a:p>
@@ -2423,7 +2421,7 @@
           <a:p>
             <a:fld id="{322C9020-58D6-4B4B-AE71-CBBD8D6FD410}" type="datetimeFigureOut">
               <a:rPr lang="en-CH" smtClean="0"/>
-              <a:t>05.02.2024</a:t>
+              <a:t>21.02.2024</a:t>
             </a:fld>
             <a:endParaRPr lang="en-CH"/>
           </a:p>
@@ -2536,7 +2534,7 @@
           <a:p>
             <a:fld id="{322C9020-58D6-4B4B-AE71-CBBD8D6FD410}" type="datetimeFigureOut">
               <a:rPr lang="en-CH" smtClean="0"/>
-              <a:t>05.02.2024</a:t>
+              <a:t>21.02.2024</a:t>
             </a:fld>
             <a:endParaRPr lang="en-CH"/>
           </a:p>
@@ -2849,7 +2847,7 @@
           <a:p>
             <a:fld id="{322C9020-58D6-4B4B-AE71-CBBD8D6FD410}" type="datetimeFigureOut">
               <a:rPr lang="en-CH" smtClean="0"/>
-              <a:t>05.02.2024</a:t>
+              <a:t>21.02.2024</a:t>
             </a:fld>
             <a:endParaRPr lang="en-CH"/>
           </a:p>
@@ -3138,7 +3136,7 @@
           <a:p>
             <a:fld id="{322C9020-58D6-4B4B-AE71-CBBD8D6FD410}" type="datetimeFigureOut">
               <a:rPr lang="en-CH" smtClean="0"/>
-              <a:t>05.02.2024</a:t>
+              <a:t>21.02.2024</a:t>
             </a:fld>
             <a:endParaRPr lang="en-CH"/>
           </a:p>
@@ -3381,7 +3379,7 @@
           <a:p>
             <a:fld id="{322C9020-58D6-4B4B-AE71-CBBD8D6FD410}" type="datetimeFigureOut">
               <a:rPr lang="en-CH" smtClean="0"/>
-              <a:t>05.02.2024</a:t>
+              <a:t>21.02.2024</a:t>
             </a:fld>
             <a:endParaRPr lang="en-CH"/>
           </a:p>
@@ -4357,463 +4355,6 @@
 <file path=ppt/slides/slide10.xml><?xml version="1.0" encoding="utf-8"?>
 <p:sld xmlns:a="http://schemas.openxmlformats.org/drawingml/2006/main" xmlns:r="http://schemas.openxmlformats.org/officeDocument/2006/relationships" xmlns:p="http://schemas.openxmlformats.org/presentationml/2006/main">
   <p:cSld>
-    <p:spTree>
-      <p:nvGrpSpPr>
-        <p:cNvPr id="1" name=""/>
-        <p:cNvGrpSpPr/>
-        <p:nvPr/>
-      </p:nvGrpSpPr>
-      <p:grpSpPr>
-        <a:xfrm>
-          <a:off x="0" y="0"/>
-          <a:ext cx="0" cy="0"/>
-          <a:chOff x="0" y="0"/>
-          <a:chExt cx="0" cy="0"/>
-        </a:xfrm>
-      </p:grpSpPr>
-      <p:sp>
-        <p:nvSpPr>
-          <p:cNvPr id="2" name="Title 1">
-            <a:extLst>
-              <a:ext uri="{FF2B5EF4-FFF2-40B4-BE49-F238E27FC236}">
-                <a16:creationId xmlns:a16="http://schemas.microsoft.com/office/drawing/2014/main" id="{00283787-3F10-0CC2-B9A7-7A34BCAC818C}"/>
-              </a:ext>
-            </a:extLst>
-          </p:cNvPr>
-          <p:cNvSpPr>
-            <a:spLocks noGrp="1"/>
-          </p:cNvSpPr>
-          <p:nvPr>
-            <p:ph type="title"/>
-          </p:nvPr>
-        </p:nvSpPr>
-        <p:spPr/>
-        <p:txBody>
-          <a:bodyPr>
-            <a:normAutofit/>
-          </a:bodyPr>
-          <a:lstStyle/>
-          <a:p>
-            <a:r>
-              <a:rPr lang="en-CH" dirty="0"/>
-              <a:t>Redshift Load Data: </a:t>
-            </a:r>
-            <a:r>
-              <a:rPr lang="en-GB" b="0" i="0" dirty="0">
-                <a:solidFill>
-                  <a:srgbClr val="32325D"/>
-                </a:solidFill>
-                <a:effectLst/>
-                <a:latin typeface="proxima-nova"/>
-              </a:rPr>
-              <a:t>Redshift COPY</a:t>
-            </a:r>
-            <a:endParaRPr lang="en-CH" dirty="0"/>
-          </a:p>
-        </p:txBody>
-      </p:sp>
-      <p:sp>
-        <p:nvSpPr>
-          <p:cNvPr id="3" name="Content Placeholder 2">
-            <a:extLst>
-              <a:ext uri="{FF2B5EF4-FFF2-40B4-BE49-F238E27FC236}">
-                <a16:creationId xmlns:a16="http://schemas.microsoft.com/office/drawing/2014/main" id="{7EA516EB-779F-BC57-ABAD-8F512645F6C6}"/>
-              </a:ext>
-            </a:extLst>
-          </p:cNvPr>
-          <p:cNvSpPr>
-            <a:spLocks noGrp="1"/>
-          </p:cNvSpPr>
-          <p:nvPr>
-            <p:ph idx="1"/>
-          </p:nvPr>
-        </p:nvSpPr>
-        <p:spPr>
-          <a:xfrm>
-            <a:off x="838200" y="1825625"/>
-            <a:ext cx="5394434" cy="4351338"/>
-          </a:xfrm>
-        </p:spPr>
-        <p:txBody>
-          <a:bodyPr>
-            <a:normAutofit/>
-          </a:bodyPr>
-          <a:lstStyle/>
-          <a:p>
-            <a:r>
-              <a:rPr lang="en-GB" b="0" i="0" dirty="0">
-                <a:solidFill>
-                  <a:srgbClr val="212529"/>
-                </a:solidFill>
-                <a:effectLst/>
-                <a:latin typeface="SFMono-Regular"/>
-              </a:rPr>
-              <a:t>COPY table-name [ column-list ] FROM </a:t>
-            </a:r>
-            <a:r>
-              <a:rPr lang="en-GB" b="0" i="0" dirty="0" err="1">
-                <a:solidFill>
-                  <a:srgbClr val="212529"/>
-                </a:solidFill>
-                <a:effectLst/>
-                <a:latin typeface="SFMono-Regular"/>
-              </a:rPr>
-              <a:t>data_source</a:t>
-            </a:r>
-            <a:r>
-              <a:rPr lang="en-GB" b="0" i="0" dirty="0">
-                <a:solidFill>
-                  <a:srgbClr val="212529"/>
-                </a:solidFill>
-                <a:effectLst/>
-                <a:latin typeface="SFMono-Regular"/>
-              </a:rPr>
-              <a:t> authorization [ [ FORMAT ] [ AS ] </a:t>
-            </a:r>
-            <a:r>
-              <a:rPr lang="en-GB" b="0" i="0" dirty="0" err="1">
-                <a:solidFill>
-                  <a:srgbClr val="212529"/>
-                </a:solidFill>
-                <a:effectLst/>
-                <a:latin typeface="SFMono-Regular"/>
-              </a:rPr>
-              <a:t>data_format</a:t>
-            </a:r>
-            <a:r>
-              <a:rPr lang="en-GB" b="0" i="0" dirty="0">
-                <a:solidFill>
-                  <a:srgbClr val="212529"/>
-                </a:solidFill>
-                <a:effectLst/>
-                <a:latin typeface="SFMono-Regular"/>
-              </a:rPr>
-              <a:t> ] [ parameter [ argument ] [, ... ] ]</a:t>
-            </a:r>
-            <a:endParaRPr lang="en-CH" dirty="0"/>
-          </a:p>
-        </p:txBody>
-      </p:sp>
-      <p:pic>
-        <p:nvPicPr>
-          <p:cNvPr id="6146" name="Picture 2" descr="Redshift COPY Command: Use of Copy Command | Hevo Data">
-            <a:extLst>
-              <a:ext uri="{FF2B5EF4-FFF2-40B4-BE49-F238E27FC236}">
-                <a16:creationId xmlns:a16="http://schemas.microsoft.com/office/drawing/2014/main" id="{DFB60A51-D578-4E6C-5082-D41198344FAD}"/>
-              </a:ext>
-            </a:extLst>
-          </p:cNvPr>
-          <p:cNvPicPr>
-            <a:picLocks noChangeAspect="1" noChangeArrowheads="1"/>
-          </p:cNvPicPr>
-          <p:nvPr/>
-        </p:nvPicPr>
-        <p:blipFill>
-          <a:blip r:embed="rId2">
-            <a:extLst>
-              <a:ext uri="{28A0092B-C50C-407E-A947-70E740481C1C}">
-                <a14:useLocalDpi xmlns:a14="http://schemas.microsoft.com/office/drawing/2010/main" val="0"/>
-              </a:ext>
-            </a:extLst>
-          </a:blip>
-          <a:srcRect/>
-          <a:stretch>
-            <a:fillRect/>
-          </a:stretch>
-        </p:blipFill>
-        <p:spPr bwMode="auto">
-          <a:xfrm>
-            <a:off x="7204268" y="2134672"/>
-            <a:ext cx="4765309" cy="2588655"/>
-          </a:xfrm>
-          <a:prstGeom prst="rect">
-            <a:avLst/>
-          </a:prstGeom>
-          <a:noFill/>
-          <a:extLst>
-            <a:ext uri="{909E8E84-426E-40DD-AFC4-6F175D3DCCD1}">
-              <a14:hiddenFill xmlns:a14="http://schemas.microsoft.com/office/drawing/2010/main">
-                <a:solidFill>
-                  <a:srgbClr val="FFFFFF"/>
-                </a:solidFill>
-              </a14:hiddenFill>
-            </a:ext>
-          </a:extLst>
-        </p:spPr>
-      </p:pic>
-    </p:spTree>
-    <p:extLst>
-      <p:ext uri="{BB962C8B-B14F-4D97-AF65-F5344CB8AC3E}">
-        <p14:creationId xmlns:p14="http://schemas.microsoft.com/office/powerpoint/2010/main" val="1723649589"/>
-      </p:ext>
-    </p:extLst>
-  </p:cSld>
-  <p:clrMapOvr>
-    <a:masterClrMapping/>
-  </p:clrMapOvr>
-</p:sld>
-</file>
-
-<file path=ppt/slides/slide11.xml><?xml version="1.0" encoding="utf-8"?>
-<p:sld xmlns:a="http://schemas.openxmlformats.org/drawingml/2006/main" xmlns:r="http://schemas.openxmlformats.org/officeDocument/2006/relationships" xmlns:p="http://schemas.openxmlformats.org/presentationml/2006/main">
-  <p:cSld>
-    <p:bg>
-      <p:bgPr>
-        <a:solidFill>
-          <a:schemeClr val="bg1"/>
-        </a:solidFill>
-        <a:effectLst/>
-      </p:bgPr>
-    </p:bg>
-    <p:spTree>
-      <p:nvGrpSpPr>
-        <p:cNvPr id="1" name=""/>
-        <p:cNvGrpSpPr/>
-        <p:nvPr/>
-      </p:nvGrpSpPr>
-      <p:grpSpPr>
-        <a:xfrm>
-          <a:off x="0" y="0"/>
-          <a:ext cx="0" cy="0"/>
-          <a:chOff x="0" y="0"/>
-          <a:chExt cx="0" cy="0"/>
-        </a:xfrm>
-      </p:grpSpPr>
-      <p:sp>
-        <p:nvSpPr>
-          <p:cNvPr id="7175" name="Rectangle 7174">
-            <a:extLst>
-              <a:ext uri="{FF2B5EF4-FFF2-40B4-BE49-F238E27FC236}">
-                <a16:creationId xmlns:a16="http://schemas.microsoft.com/office/drawing/2014/main" id="{A4AC5506-6312-4701-8D3C-40187889A947}"/>
-              </a:ext>
-              <a:ext uri="{C183D7F6-B498-43B3-948B-1728B52AA6E4}">
-                <adec:decorative xmlns:adec="http://schemas.microsoft.com/office/drawing/2017/decorative" val="1"/>
-              </a:ext>
-            </a:extLst>
-          </p:cNvPr>
-          <p:cNvSpPr>
-            <a:spLocks noGrp="1" noRot="1" noChangeAspect="1" noMove="1" noResize="1" noEditPoints="1" noAdjustHandles="1" noChangeArrowheads="1" noChangeShapeType="1" noTextEdit="1"/>
-          </p:cNvSpPr>
-          <p:nvPr>
-            <p:extLst>
-              <p:ext uri="{386F3935-93C4-4BCD-93E2-E3B085C9AB24}">
-                <p16:designElem xmlns:p16="http://schemas.microsoft.com/office/powerpoint/2015/main" val="1"/>
-              </p:ext>
-            </p:extLst>
-          </p:nvPr>
-        </p:nvSpPr>
-        <p:spPr>
-          <a:xfrm>
-            <a:off x="0" y="651752"/>
-            <a:ext cx="12192000" cy="736551"/>
-          </a:xfrm>
-          <a:prstGeom prst="rect">
-            <a:avLst/>
-          </a:prstGeom>
-          <a:solidFill>
-            <a:schemeClr val="tx1"/>
-          </a:solidFill>
-          <a:ln>
-            <a:noFill/>
-          </a:ln>
-        </p:spPr>
-        <p:style>
-          <a:lnRef idx="2">
-            <a:schemeClr val="accent1">
-              <a:shade val="50000"/>
-            </a:schemeClr>
-          </a:lnRef>
-          <a:fillRef idx="1">
-            <a:schemeClr val="accent1"/>
-          </a:fillRef>
-          <a:effectRef idx="0">
-            <a:schemeClr val="accent1"/>
-          </a:effectRef>
-          <a:fontRef idx="minor">
-            <a:schemeClr val="lt1"/>
-          </a:fontRef>
-        </p:style>
-        <p:txBody>
-          <a:bodyPr rtlCol="0" anchor="ctr"/>
-          <a:lstStyle/>
-          <a:p>
-            <a:pPr algn="ctr"/>
-            <a:endParaRPr lang="en-US"/>
-          </a:p>
-        </p:txBody>
-      </p:sp>
-      <p:sp>
-        <p:nvSpPr>
-          <p:cNvPr id="2" name="Title 1">
-            <a:extLst>
-              <a:ext uri="{FF2B5EF4-FFF2-40B4-BE49-F238E27FC236}">
-                <a16:creationId xmlns:a16="http://schemas.microsoft.com/office/drawing/2014/main" id="{00283787-3F10-0CC2-B9A7-7A34BCAC818C}"/>
-              </a:ext>
-            </a:extLst>
-          </p:cNvPr>
-          <p:cNvSpPr>
-            <a:spLocks noGrp="1"/>
-          </p:cNvSpPr>
-          <p:nvPr>
-            <p:ph type="title"/>
-          </p:nvPr>
-        </p:nvSpPr>
-        <p:spPr>
-          <a:xfrm>
-            <a:off x="556532" y="643467"/>
-            <a:ext cx="11210925" cy="744836"/>
-          </a:xfrm>
-        </p:spPr>
-        <p:txBody>
-          <a:bodyPr vert="horz" lIns="91440" tIns="45720" rIns="91440" bIns="45720" rtlCol="0" anchor="ctr">
-            <a:normAutofit fontScale="90000"/>
-          </a:bodyPr>
-          <a:lstStyle/>
-          <a:p>
-            <a:pPr algn="ctr"/>
-            <a:r>
-              <a:rPr lang="en-US" sz="2700" kern="1200" dirty="0">
-                <a:solidFill>
-                  <a:schemeClr val="bg1"/>
-                </a:solidFill>
-                <a:latin typeface="+mj-lt"/>
-                <a:ea typeface="+mj-ea"/>
-                <a:cs typeface="+mj-cs"/>
-              </a:rPr>
-              <a:t>Redshift Load Data: </a:t>
-            </a:r>
-            <a:r>
-              <a:rPr lang="en-US" sz="2700" b="1" i="0" kern="1200" dirty="0">
-                <a:solidFill>
-                  <a:schemeClr val="bg1"/>
-                </a:solidFill>
-                <a:effectLst/>
-                <a:latin typeface="+mj-lt"/>
-                <a:ea typeface="+mj-ea"/>
-                <a:cs typeface="+mj-cs"/>
-              </a:rPr>
-              <a:t>Loading Data to Redshift Using </a:t>
-            </a:r>
-            <a:r>
-              <a:rPr lang="en-US" sz="2700" b="1" i="0" kern="1200" dirty="0" err="1">
-                <a:solidFill>
-                  <a:schemeClr val="bg1"/>
-                </a:solidFill>
-                <a:effectLst/>
-                <a:latin typeface="+mj-lt"/>
-                <a:ea typeface="+mj-ea"/>
-                <a:cs typeface="+mj-cs"/>
-              </a:rPr>
-              <a:t>Hevo’s</a:t>
-            </a:r>
-            <a:r>
-              <a:rPr lang="en-US" sz="2700" b="1" i="0" kern="1200" dirty="0">
-                <a:solidFill>
-                  <a:schemeClr val="bg1"/>
-                </a:solidFill>
-                <a:effectLst/>
-                <a:latin typeface="+mj-lt"/>
-                <a:ea typeface="+mj-ea"/>
-                <a:cs typeface="+mj-cs"/>
-              </a:rPr>
-              <a:t> no code data pipeline </a:t>
-            </a:r>
-            <a:br>
-              <a:rPr lang="en-US" sz="2700" b="1" i="0" kern="1200" dirty="0">
-                <a:solidFill>
-                  <a:schemeClr val="bg1"/>
-                </a:solidFill>
-                <a:effectLst/>
-                <a:latin typeface="+mj-lt"/>
-                <a:ea typeface="+mj-ea"/>
-                <a:cs typeface="+mj-cs"/>
-              </a:rPr>
-            </a:br>
-            <a:r>
-              <a:rPr lang="en-US" sz="2700" b="1" i="0" kern="1200" dirty="0">
-                <a:solidFill>
-                  <a:schemeClr val="bg1"/>
-                </a:solidFill>
-                <a:effectLst/>
-                <a:latin typeface="+mj-lt"/>
-                <a:ea typeface="+mj-ea"/>
-                <a:cs typeface="+mj-cs"/>
-              </a:rPr>
-              <a:t>(skip this)</a:t>
-            </a:r>
-            <a:endParaRPr lang="en-US" sz="2700" kern="1200" dirty="0">
-              <a:solidFill>
-                <a:schemeClr val="bg1"/>
-              </a:solidFill>
-              <a:latin typeface="+mj-lt"/>
-              <a:ea typeface="+mj-ea"/>
-              <a:cs typeface="+mj-cs"/>
-            </a:endParaRPr>
-          </a:p>
-        </p:txBody>
-      </p:sp>
-      <p:pic>
-        <p:nvPicPr>
-          <p:cNvPr id="7170" name="Picture 2" descr="Loading Data To Redshift: Hevo Data Pipeline| Hevo Data">
-            <a:extLst>
-              <a:ext uri="{FF2B5EF4-FFF2-40B4-BE49-F238E27FC236}">
-                <a16:creationId xmlns:a16="http://schemas.microsoft.com/office/drawing/2014/main" id="{F4238B24-328A-362E-2EC8-F0BAAB10C7AB}"/>
-              </a:ext>
-            </a:extLst>
-          </p:cNvPr>
-          <p:cNvPicPr>
-            <a:picLocks noChangeAspect="1" noChangeArrowheads="1"/>
-          </p:cNvPicPr>
-          <p:nvPr/>
-        </p:nvPicPr>
-        <p:blipFill>
-          <a:blip r:embed="rId2">
-            <a:extLst>
-              <a:ext uri="{28A0092B-C50C-407E-A947-70E740481C1C}">
-                <a14:useLocalDpi xmlns:a14="http://schemas.microsoft.com/office/drawing/2010/main" val="0"/>
-              </a:ext>
-            </a:extLst>
-          </a:blip>
-          <a:stretch>
-            <a:fillRect/>
-          </a:stretch>
-        </p:blipFill>
-        <p:spPr bwMode="auto">
-          <a:xfrm>
-            <a:off x="1878630" y="1675227"/>
-            <a:ext cx="8434740" cy="4394199"/>
-          </a:xfrm>
-          <a:prstGeom prst="rect">
-            <a:avLst/>
-          </a:prstGeom>
-          <a:noFill/>
-          <a:extLst>
-            <a:ext uri="{909E8E84-426E-40DD-AFC4-6F175D3DCCD1}">
-              <a14:hiddenFill xmlns:a14="http://schemas.microsoft.com/office/drawing/2010/main">
-                <a:solidFill>
-                  <a:srgbClr val="FFFFFF"/>
-                </a:solidFill>
-              </a14:hiddenFill>
-            </a:ext>
-          </a:extLst>
-        </p:spPr>
-      </p:pic>
-    </p:spTree>
-    <p:extLst>
-      <p:ext uri="{BB962C8B-B14F-4D97-AF65-F5344CB8AC3E}">
-        <p14:creationId xmlns:p14="http://schemas.microsoft.com/office/powerpoint/2010/main" val="106779233"/>
-      </p:ext>
-    </p:extLst>
-  </p:cSld>
-  <p:clrMapOvr>
-    <a:masterClrMapping/>
-  </p:clrMapOvr>
-</p:sld>
-</file>
-
-<file path=ppt/slides/slide12.xml><?xml version="1.0" encoding="utf-8"?>
-<p:sld xmlns:a="http://schemas.openxmlformats.org/drawingml/2006/main" xmlns:r="http://schemas.openxmlformats.org/officeDocument/2006/relationships" xmlns:p="http://schemas.openxmlformats.org/presentationml/2006/main">
-  <p:cSld>
     <p:bg>
       <p:bgPr>
         <a:solidFill>
@@ -5336,7 +4877,7 @@
 </p:sld>
 </file>
 
-<file path=ppt/slides/slide13.xml><?xml version="1.0" encoding="utf-8"?>
+<file path=ppt/slides/slide11.xml><?xml version="1.0" encoding="utf-8"?>
 <p:sld xmlns:a="http://schemas.openxmlformats.org/drawingml/2006/main" xmlns:r="http://schemas.openxmlformats.org/officeDocument/2006/relationships" xmlns:p="http://schemas.openxmlformats.org/presentationml/2006/main">
   <p:cSld>
     <p:bg>
@@ -5499,11 +5040,21 @@
           <a:lstStyle/>
           <a:p>
             <a:r>
+              <a:rPr lang="en-GB" sz="1600" b="1" i="0" dirty="0">
+                <a:effectLst/>
+                <a:highlight>
+                  <a:srgbClr val="00FF00"/>
+                </a:highlight>
+                <a:latin typeface="Amazon Ember"/>
+              </a:rPr>
+              <a:t>Amazon Redshift Serverless makes it convenient for you to run and scale analytics without having to provision and manage data warehouses</a:t>
+            </a:r>
+            <a:r>
               <a:rPr lang="en-GB" sz="1600" b="0" i="0" dirty="0">
                 <a:effectLst/>
                 <a:latin typeface="Amazon Ember"/>
               </a:rPr>
-              <a:t>Amazon Redshift Serverless makes it convenient for you to run and scale analytics without having to provision and manage data warehouses. </a:t>
+              <a:t>. </a:t>
             </a:r>
           </a:p>
           <a:p>
@@ -5558,7 +5109,7 @@
 </p:sld>
 </file>
 
-<file path=ppt/slides/slide14.xml><?xml version="1.0" encoding="utf-8"?>
+<file path=ppt/slides/slide12.xml><?xml version="1.0" encoding="utf-8"?>
 <p:sld xmlns:a="http://schemas.openxmlformats.org/drawingml/2006/main" xmlns:r="http://schemas.openxmlformats.org/officeDocument/2006/relationships" xmlns:p="http://schemas.openxmlformats.org/presentationml/2006/main">
   <p:cSld>
     <p:bg>
@@ -6057,7 +5608,7 @@
 </p:sld>
 </file>
 
-<file path=ppt/slides/slide15.xml><?xml version="1.0" encoding="utf-8"?>
+<file path=ppt/slides/slide13.xml><?xml version="1.0" encoding="utf-8"?>
 <p:sld xmlns:a="http://schemas.openxmlformats.org/drawingml/2006/main" xmlns:r="http://schemas.openxmlformats.org/officeDocument/2006/relationships" xmlns:p="http://schemas.openxmlformats.org/presentationml/2006/main">
   <p:cSld>
     <p:bg>
@@ -7163,8 +6714,11 @@
           <a:lstStyle/>
           <a:p>
             <a:r>
-              <a:rPr lang="en-GB" sz="1800" b="0" i="0" dirty="0">
+              <a:rPr lang="en-GB" sz="1800" b="1" i="0" dirty="0">
                 <a:effectLst/>
+                <a:highlight>
+                  <a:srgbClr val="00FF00"/>
+                </a:highlight>
                 <a:latin typeface="Amazon Ember"/>
               </a:rPr>
               <a:t>Amazon Redshift is a fully managed, petabyte-scale data warehouse service in the cloud.</a:t>
@@ -7196,13 +6750,13 @@
           </a:p>
           <a:p>
             <a:r>
-              <a:rPr lang="en-CH" sz="1800" dirty="0"/>
+              <a:rPr lang="en-CH" sz="1800" b="1" dirty="0"/>
               <a:t>Redshift based on PostgreSQL</a:t>
             </a:r>
           </a:p>
           <a:p>
             <a:r>
-              <a:rPr lang="en-CH" sz="1800" dirty="0"/>
+              <a:rPr lang="en-CH" sz="1800" b="1" dirty="0"/>
               <a:t>It is OLAP</a:t>
             </a:r>
           </a:p>
@@ -9339,1019 +8893,6 @@
 </file>
 
 <file path=ppt/slides/slide6.xml><?xml version="1.0" encoding="utf-8"?>
-<p:sld xmlns:a="http://schemas.openxmlformats.org/drawingml/2006/main" xmlns:r="http://schemas.openxmlformats.org/officeDocument/2006/relationships" xmlns:p="http://schemas.openxmlformats.org/presentationml/2006/main">
-  <p:cSld>
-    <p:bg>
-      <p:bgPr>
-        <a:solidFill>
-          <a:schemeClr val="bg1"/>
-        </a:solidFill>
-        <a:effectLst/>
-      </p:bgPr>
-    </p:bg>
-    <p:spTree>
-      <p:nvGrpSpPr>
-        <p:cNvPr id="1" name=""/>
-        <p:cNvGrpSpPr/>
-        <p:nvPr/>
-      </p:nvGrpSpPr>
-      <p:grpSpPr>
-        <a:xfrm>
-          <a:off x="0" y="0"/>
-          <a:ext cx="0" cy="0"/>
-          <a:chOff x="0" y="0"/>
-          <a:chExt cx="0" cy="0"/>
-        </a:xfrm>
-      </p:grpSpPr>
-      <p:sp useBgFill="1">
-        <p:nvSpPr>
-          <p:cNvPr id="8" name="Rectangle 7">
-            <a:extLst>
-              <a:ext uri="{FF2B5EF4-FFF2-40B4-BE49-F238E27FC236}">
-                <a16:creationId xmlns:a16="http://schemas.microsoft.com/office/drawing/2014/main" id="{100EDD19-6802-4EC3-95CE-CFFAB042CFD6}"/>
-              </a:ext>
-              <a:ext uri="{C183D7F6-B498-43B3-948B-1728B52AA6E4}">
-                <adec:decorative xmlns:adec="http://schemas.microsoft.com/office/drawing/2017/decorative" val="1"/>
-              </a:ext>
-            </a:extLst>
-          </p:cNvPr>
-          <p:cNvSpPr>
-            <a:spLocks noGrp="1" noRot="1" noChangeAspect="1" noMove="1" noResize="1" noEditPoints="1" noAdjustHandles="1" noChangeArrowheads="1" noChangeShapeType="1" noTextEdit="1"/>
-          </p:cNvSpPr>
-          <p:nvPr>
-            <p:extLst>
-              <p:ext uri="{386F3935-93C4-4BCD-93E2-E3B085C9AB24}">
-                <p16:designElem xmlns:p16="http://schemas.microsoft.com/office/powerpoint/2015/main" val="1"/>
-              </p:ext>
-            </p:extLst>
-          </p:nvPr>
-        </p:nvSpPr>
-        <p:spPr>
-          <a:xfrm>
-            <a:off x="0" y="0"/>
-            <a:ext cx="12188952" cy="6858000"/>
-          </a:xfrm>
-          <a:prstGeom prst="rect">
-            <a:avLst/>
-          </a:prstGeom>
-          <a:ln>
-            <a:noFill/>
-          </a:ln>
-        </p:spPr>
-        <p:style>
-          <a:lnRef idx="2">
-            <a:schemeClr val="accent1">
-              <a:shade val="50000"/>
-            </a:schemeClr>
-          </a:lnRef>
-          <a:fillRef idx="1">
-            <a:schemeClr val="accent1"/>
-          </a:fillRef>
-          <a:effectRef idx="0">
-            <a:schemeClr val="accent1"/>
-          </a:effectRef>
-          <a:fontRef idx="minor">
-            <a:schemeClr val="lt1"/>
-          </a:fontRef>
-        </p:style>
-        <p:txBody>
-          <a:bodyPr rtlCol="0" anchor="ctr"/>
-          <a:lstStyle/>
-          <a:p>
-            <a:pPr algn="ctr"/>
-            <a:endParaRPr lang="en-US"/>
-          </a:p>
-        </p:txBody>
-      </p:sp>
-      <p:sp>
-        <p:nvSpPr>
-          <p:cNvPr id="2" name="Title 1">
-            <a:extLst>
-              <a:ext uri="{FF2B5EF4-FFF2-40B4-BE49-F238E27FC236}">
-                <a16:creationId xmlns:a16="http://schemas.microsoft.com/office/drawing/2014/main" id="{BEFC838F-4086-62FF-03FD-093032878439}"/>
-              </a:ext>
-            </a:extLst>
-          </p:cNvPr>
-          <p:cNvSpPr>
-            <a:spLocks noGrp="1"/>
-          </p:cNvSpPr>
-          <p:nvPr>
-            <p:ph type="title"/>
-          </p:nvPr>
-        </p:nvSpPr>
-        <p:spPr>
-          <a:xfrm>
-            <a:off x="838200" y="365125"/>
-            <a:ext cx="10515600" cy="1325563"/>
-          </a:xfrm>
-        </p:spPr>
-        <p:txBody>
-          <a:bodyPr>
-            <a:normAutofit/>
-          </a:bodyPr>
-          <a:lstStyle/>
-          <a:p>
-            <a:r>
-              <a:rPr lang="en-GB" sz="5400" b="1" i="0">
-                <a:effectLst/>
-                <a:latin typeface="Amazon Ember"/>
-              </a:rPr>
-              <a:t>Resizing clusters in Amazon Redshift</a:t>
-            </a:r>
-            <a:endParaRPr lang="en-CH" sz="5400"/>
-          </a:p>
-        </p:txBody>
-      </p:sp>
-      <p:sp>
-        <p:nvSpPr>
-          <p:cNvPr id="10" name="sketch line">
-            <a:extLst>
-              <a:ext uri="{FF2B5EF4-FFF2-40B4-BE49-F238E27FC236}">
-                <a16:creationId xmlns:a16="http://schemas.microsoft.com/office/drawing/2014/main" id="{DB17E863-922E-4C26-BD64-E8FD41D28661}"/>
-              </a:ext>
-              <a:ext uri="{C183D7F6-B498-43B3-948B-1728B52AA6E4}">
-                <adec:decorative xmlns:adec="http://schemas.microsoft.com/office/drawing/2017/decorative" val="1"/>
-              </a:ext>
-            </a:extLst>
-          </p:cNvPr>
-          <p:cNvSpPr>
-            <a:spLocks noGrp="1" noRot="1" noChangeAspect="1" noMove="1" noResize="1" noEditPoints="1" noAdjustHandles="1" noChangeArrowheads="1" noChangeShapeType="1" noTextEdit="1"/>
-          </p:cNvSpPr>
-          <p:nvPr>
-            <p:extLst>
-              <p:ext uri="{386F3935-93C4-4BCD-93E2-E3B085C9AB24}">
-                <p16:designElem xmlns:p16="http://schemas.microsoft.com/office/powerpoint/2015/main" val="1"/>
-              </p:ext>
-            </p:extLst>
-          </p:nvPr>
-        </p:nvSpPr>
-        <p:spPr>
-          <a:xfrm>
-            <a:off x="669036" y="1677373"/>
-            <a:ext cx="10853928" cy="18288"/>
-          </a:xfrm>
-          <a:custGeom>
-            <a:avLst/>
-            <a:gdLst>
-              <a:gd name="connsiteX0" fmla="*/ 0 w 10853928"/>
-              <a:gd name="connsiteY0" fmla="*/ 0 h 18288"/>
-              <a:gd name="connsiteX1" fmla="*/ 461292 w 10853928"/>
-              <a:gd name="connsiteY1" fmla="*/ 0 h 18288"/>
-              <a:gd name="connsiteX2" fmla="*/ 1139662 w 10853928"/>
-              <a:gd name="connsiteY2" fmla="*/ 0 h 18288"/>
-              <a:gd name="connsiteX3" fmla="*/ 1926572 w 10853928"/>
-              <a:gd name="connsiteY3" fmla="*/ 0 h 18288"/>
-              <a:gd name="connsiteX4" fmla="*/ 2279325 w 10853928"/>
-              <a:gd name="connsiteY4" fmla="*/ 0 h 18288"/>
-              <a:gd name="connsiteX5" fmla="*/ 2632078 w 10853928"/>
-              <a:gd name="connsiteY5" fmla="*/ 0 h 18288"/>
-              <a:gd name="connsiteX6" fmla="*/ 3527527 w 10853928"/>
-              <a:gd name="connsiteY6" fmla="*/ 0 h 18288"/>
-              <a:gd name="connsiteX7" fmla="*/ 4205897 w 10853928"/>
-              <a:gd name="connsiteY7" fmla="*/ 0 h 18288"/>
-              <a:gd name="connsiteX8" fmla="*/ 4558650 w 10853928"/>
-              <a:gd name="connsiteY8" fmla="*/ 0 h 18288"/>
-              <a:gd name="connsiteX9" fmla="*/ 5237020 w 10853928"/>
-              <a:gd name="connsiteY9" fmla="*/ 0 h 18288"/>
-              <a:gd name="connsiteX10" fmla="*/ 6132469 w 10853928"/>
-              <a:gd name="connsiteY10" fmla="*/ 0 h 18288"/>
-              <a:gd name="connsiteX11" fmla="*/ 6702301 w 10853928"/>
-              <a:gd name="connsiteY11" fmla="*/ 0 h 18288"/>
-              <a:gd name="connsiteX12" fmla="*/ 7272132 w 10853928"/>
-              <a:gd name="connsiteY12" fmla="*/ 0 h 18288"/>
-              <a:gd name="connsiteX13" fmla="*/ 7950502 w 10853928"/>
-              <a:gd name="connsiteY13" fmla="*/ 0 h 18288"/>
-              <a:gd name="connsiteX14" fmla="*/ 8737412 w 10853928"/>
-              <a:gd name="connsiteY14" fmla="*/ 0 h 18288"/>
-              <a:gd name="connsiteX15" fmla="*/ 9524322 w 10853928"/>
-              <a:gd name="connsiteY15" fmla="*/ 0 h 18288"/>
-              <a:gd name="connsiteX16" fmla="*/ 10853928 w 10853928"/>
-              <a:gd name="connsiteY16" fmla="*/ 0 h 18288"/>
-              <a:gd name="connsiteX17" fmla="*/ 10853928 w 10853928"/>
-              <a:gd name="connsiteY17" fmla="*/ 18288 h 18288"/>
-              <a:gd name="connsiteX18" fmla="*/ 10392636 w 10853928"/>
-              <a:gd name="connsiteY18" fmla="*/ 18288 h 18288"/>
-              <a:gd name="connsiteX19" fmla="*/ 9497187 w 10853928"/>
-              <a:gd name="connsiteY19" fmla="*/ 18288 h 18288"/>
-              <a:gd name="connsiteX20" fmla="*/ 8818817 w 10853928"/>
-              <a:gd name="connsiteY20" fmla="*/ 18288 h 18288"/>
-              <a:gd name="connsiteX21" fmla="*/ 8466064 w 10853928"/>
-              <a:gd name="connsiteY21" fmla="*/ 18288 h 18288"/>
-              <a:gd name="connsiteX22" fmla="*/ 7787693 w 10853928"/>
-              <a:gd name="connsiteY22" fmla="*/ 18288 h 18288"/>
-              <a:gd name="connsiteX23" fmla="*/ 7217862 w 10853928"/>
-              <a:gd name="connsiteY23" fmla="*/ 18288 h 18288"/>
-              <a:gd name="connsiteX24" fmla="*/ 6648031 w 10853928"/>
-              <a:gd name="connsiteY24" fmla="*/ 18288 h 18288"/>
-              <a:gd name="connsiteX25" fmla="*/ 6078200 w 10853928"/>
-              <a:gd name="connsiteY25" fmla="*/ 18288 h 18288"/>
-              <a:gd name="connsiteX26" fmla="*/ 5508368 w 10853928"/>
-              <a:gd name="connsiteY26" fmla="*/ 18288 h 18288"/>
-              <a:gd name="connsiteX27" fmla="*/ 4721459 w 10853928"/>
-              <a:gd name="connsiteY27" fmla="*/ 18288 h 18288"/>
-              <a:gd name="connsiteX28" fmla="*/ 4043088 w 10853928"/>
-              <a:gd name="connsiteY28" fmla="*/ 18288 h 18288"/>
-              <a:gd name="connsiteX29" fmla="*/ 3690336 w 10853928"/>
-              <a:gd name="connsiteY29" fmla="*/ 18288 h 18288"/>
-              <a:gd name="connsiteX30" fmla="*/ 3120504 w 10853928"/>
-              <a:gd name="connsiteY30" fmla="*/ 18288 h 18288"/>
-              <a:gd name="connsiteX31" fmla="*/ 2333595 w 10853928"/>
-              <a:gd name="connsiteY31" fmla="*/ 18288 h 18288"/>
-              <a:gd name="connsiteX32" fmla="*/ 1872303 w 10853928"/>
-              <a:gd name="connsiteY32" fmla="*/ 18288 h 18288"/>
-              <a:gd name="connsiteX33" fmla="*/ 976854 w 10853928"/>
-              <a:gd name="connsiteY33" fmla="*/ 18288 h 18288"/>
-              <a:gd name="connsiteX34" fmla="*/ 0 w 10853928"/>
-              <a:gd name="connsiteY34" fmla="*/ 18288 h 18288"/>
-              <a:gd name="connsiteX35" fmla="*/ 0 w 10853928"/>
-              <a:gd name="connsiteY35" fmla="*/ 0 h 18288"/>
-            </a:gdLst>
-            <a:ahLst/>
-            <a:cxnLst>
-              <a:cxn ang="0">
-                <a:pos x="connsiteX0" y="connsiteY0"/>
-              </a:cxn>
-              <a:cxn ang="0">
-                <a:pos x="connsiteX1" y="connsiteY1"/>
-              </a:cxn>
-              <a:cxn ang="0">
-                <a:pos x="connsiteX2" y="connsiteY2"/>
-              </a:cxn>
-              <a:cxn ang="0">
-                <a:pos x="connsiteX3" y="connsiteY3"/>
-              </a:cxn>
-              <a:cxn ang="0">
-                <a:pos x="connsiteX4" y="connsiteY4"/>
-              </a:cxn>
-              <a:cxn ang="0">
-                <a:pos x="connsiteX5" y="connsiteY5"/>
-              </a:cxn>
-              <a:cxn ang="0">
-                <a:pos x="connsiteX6" y="connsiteY6"/>
-              </a:cxn>
-              <a:cxn ang="0">
-                <a:pos x="connsiteX7" y="connsiteY7"/>
-              </a:cxn>
-              <a:cxn ang="0">
-                <a:pos x="connsiteX8" y="connsiteY8"/>
-              </a:cxn>
-              <a:cxn ang="0">
-                <a:pos x="connsiteX9" y="connsiteY9"/>
-              </a:cxn>
-              <a:cxn ang="0">
-                <a:pos x="connsiteX10" y="connsiteY10"/>
-              </a:cxn>
-              <a:cxn ang="0">
-                <a:pos x="connsiteX11" y="connsiteY11"/>
-              </a:cxn>
-              <a:cxn ang="0">
-                <a:pos x="connsiteX12" y="connsiteY12"/>
-              </a:cxn>
-              <a:cxn ang="0">
-                <a:pos x="connsiteX13" y="connsiteY13"/>
-              </a:cxn>
-              <a:cxn ang="0">
-                <a:pos x="connsiteX14" y="connsiteY14"/>
-              </a:cxn>
-              <a:cxn ang="0">
-                <a:pos x="connsiteX15" y="connsiteY15"/>
-              </a:cxn>
-              <a:cxn ang="0">
-                <a:pos x="connsiteX16" y="connsiteY16"/>
-              </a:cxn>
-              <a:cxn ang="0">
-                <a:pos x="connsiteX17" y="connsiteY17"/>
-              </a:cxn>
-              <a:cxn ang="0">
-                <a:pos x="connsiteX18" y="connsiteY18"/>
-              </a:cxn>
-              <a:cxn ang="0">
-                <a:pos x="connsiteX19" y="connsiteY19"/>
-              </a:cxn>
-              <a:cxn ang="0">
-                <a:pos x="connsiteX20" y="connsiteY20"/>
-              </a:cxn>
-              <a:cxn ang="0">
-                <a:pos x="connsiteX21" y="connsiteY21"/>
-              </a:cxn>
-              <a:cxn ang="0">
-                <a:pos x="connsiteX22" y="connsiteY22"/>
-              </a:cxn>
-              <a:cxn ang="0">
-                <a:pos x="connsiteX23" y="connsiteY23"/>
-              </a:cxn>
-              <a:cxn ang="0">
-                <a:pos x="connsiteX24" y="connsiteY24"/>
-              </a:cxn>
-              <a:cxn ang="0">
-                <a:pos x="connsiteX25" y="connsiteY25"/>
-              </a:cxn>
-              <a:cxn ang="0">
-                <a:pos x="connsiteX26" y="connsiteY26"/>
-              </a:cxn>
-              <a:cxn ang="0">
-                <a:pos x="connsiteX27" y="connsiteY27"/>
-              </a:cxn>
-              <a:cxn ang="0">
-                <a:pos x="connsiteX28" y="connsiteY28"/>
-              </a:cxn>
-              <a:cxn ang="0">
-                <a:pos x="connsiteX29" y="connsiteY29"/>
-              </a:cxn>
-              <a:cxn ang="0">
-                <a:pos x="connsiteX30" y="connsiteY30"/>
-              </a:cxn>
-              <a:cxn ang="0">
-                <a:pos x="connsiteX31" y="connsiteY31"/>
-              </a:cxn>
-              <a:cxn ang="0">
-                <a:pos x="connsiteX32" y="connsiteY32"/>
-              </a:cxn>
-              <a:cxn ang="0">
-                <a:pos x="connsiteX33" y="connsiteY33"/>
-              </a:cxn>
-              <a:cxn ang="0">
-                <a:pos x="connsiteX34" y="connsiteY34"/>
-              </a:cxn>
-              <a:cxn ang="0">
-                <a:pos x="connsiteX35" y="connsiteY35"/>
-              </a:cxn>
-            </a:cxnLst>
-            <a:rect l="l" t="t" r="r" b="b"/>
-            <a:pathLst>
-              <a:path w="10853928" h="18288" fill="none" extrusionOk="0">
-                <a:moveTo>
-                  <a:pt x="0" y="0"/>
-                </a:moveTo>
-                <a:cubicBezTo>
-                  <a:pt x="146993" y="-19076"/>
-                  <a:pt x="347684" y="-4790"/>
-                  <a:pt x="461292" y="0"/>
-                </a:cubicBezTo>
-                <a:cubicBezTo>
-                  <a:pt x="574900" y="4790"/>
-                  <a:pt x="808367" y="19821"/>
-                  <a:pt x="1139662" y="0"/>
-                </a:cubicBezTo>
-                <a:cubicBezTo>
-                  <a:pt x="1470957" y="-19821"/>
-                  <a:pt x="1627405" y="5721"/>
-                  <a:pt x="1926572" y="0"/>
-                </a:cubicBezTo>
-                <a:cubicBezTo>
-                  <a:pt x="2225739" y="-5721"/>
-                  <a:pt x="2137730" y="-3235"/>
-                  <a:pt x="2279325" y="0"/>
-                </a:cubicBezTo>
-                <a:cubicBezTo>
-                  <a:pt x="2420920" y="3235"/>
-                  <a:pt x="2456518" y="9685"/>
-                  <a:pt x="2632078" y="0"/>
-                </a:cubicBezTo>
-                <a:cubicBezTo>
-                  <a:pt x="2807638" y="-9685"/>
-                  <a:pt x="3211516" y="-43007"/>
-                  <a:pt x="3527527" y="0"/>
-                </a:cubicBezTo>
-                <a:cubicBezTo>
-                  <a:pt x="3843538" y="43007"/>
-                  <a:pt x="4058833" y="22042"/>
-                  <a:pt x="4205897" y="0"/>
-                </a:cubicBezTo>
-                <a:cubicBezTo>
-                  <a:pt x="4352961" y="-22042"/>
-                  <a:pt x="4474805" y="-11846"/>
-                  <a:pt x="4558650" y="0"/>
-                </a:cubicBezTo>
-                <a:cubicBezTo>
-                  <a:pt x="4642495" y="11846"/>
-                  <a:pt x="5041928" y="-6069"/>
-                  <a:pt x="5237020" y="0"/>
-                </a:cubicBezTo>
-                <a:cubicBezTo>
-                  <a:pt x="5432112" y="6069"/>
-                  <a:pt x="5943266" y="-17479"/>
-                  <a:pt x="6132469" y="0"/>
-                </a:cubicBezTo>
-                <a:cubicBezTo>
-                  <a:pt x="6321672" y="17479"/>
-                  <a:pt x="6483872" y="26234"/>
-                  <a:pt x="6702301" y="0"/>
-                </a:cubicBezTo>
-                <a:cubicBezTo>
-                  <a:pt x="6920730" y="-26234"/>
-                  <a:pt x="6991194" y="-15156"/>
-                  <a:pt x="7272132" y="0"/>
-                </a:cubicBezTo>
-                <a:cubicBezTo>
-                  <a:pt x="7553070" y="15156"/>
-                  <a:pt x="7684444" y="-32961"/>
-                  <a:pt x="7950502" y="0"/>
-                </a:cubicBezTo>
-                <a:cubicBezTo>
-                  <a:pt x="8216560" y="32961"/>
-                  <a:pt x="8493290" y="-10491"/>
-                  <a:pt x="8737412" y="0"/>
-                </a:cubicBezTo>
-                <a:cubicBezTo>
-                  <a:pt x="8981534" y="10491"/>
-                  <a:pt x="9191586" y="-13899"/>
-                  <a:pt x="9524322" y="0"/>
-                </a:cubicBezTo>
-                <a:cubicBezTo>
-                  <a:pt x="9857058" y="13899"/>
-                  <a:pt x="10297509" y="7485"/>
-                  <a:pt x="10853928" y="0"/>
-                </a:cubicBezTo>
-                <a:cubicBezTo>
-                  <a:pt x="10854574" y="4451"/>
-                  <a:pt x="10854418" y="9226"/>
-                  <a:pt x="10853928" y="18288"/>
-                </a:cubicBezTo>
-                <a:cubicBezTo>
-                  <a:pt x="10691638" y="28522"/>
-                  <a:pt x="10574319" y="29578"/>
-                  <a:pt x="10392636" y="18288"/>
-                </a:cubicBezTo>
-                <a:cubicBezTo>
-                  <a:pt x="10210953" y="6998"/>
-                  <a:pt x="9836277" y="-16742"/>
-                  <a:pt x="9497187" y="18288"/>
-                </a:cubicBezTo>
-                <a:cubicBezTo>
-                  <a:pt x="9158097" y="53318"/>
-                  <a:pt x="9119479" y="30714"/>
-                  <a:pt x="8818817" y="18288"/>
-                </a:cubicBezTo>
-                <a:cubicBezTo>
-                  <a:pt x="8518155" y="5863"/>
-                  <a:pt x="8640037" y="6483"/>
-                  <a:pt x="8466064" y="18288"/>
-                </a:cubicBezTo>
-                <a:cubicBezTo>
-                  <a:pt x="8292091" y="30093"/>
-                  <a:pt x="7997656" y="18914"/>
-                  <a:pt x="7787693" y="18288"/>
-                </a:cubicBezTo>
-                <a:cubicBezTo>
-                  <a:pt x="7577730" y="17662"/>
-                  <a:pt x="7412468" y="21416"/>
-                  <a:pt x="7217862" y="18288"/>
-                </a:cubicBezTo>
-                <a:cubicBezTo>
-                  <a:pt x="7023256" y="15160"/>
-                  <a:pt x="6898018" y="14824"/>
-                  <a:pt x="6648031" y="18288"/>
-                </a:cubicBezTo>
-                <a:cubicBezTo>
-                  <a:pt x="6398044" y="21752"/>
-                  <a:pt x="6254402" y="38625"/>
-                  <a:pt x="6078200" y="18288"/>
-                </a:cubicBezTo>
-                <a:cubicBezTo>
-                  <a:pt x="5901998" y="-2049"/>
-                  <a:pt x="5622886" y="3213"/>
-                  <a:pt x="5508368" y="18288"/>
-                </a:cubicBezTo>
-                <a:cubicBezTo>
-                  <a:pt x="5393850" y="33363"/>
-                  <a:pt x="5036260" y="26830"/>
-                  <a:pt x="4721459" y="18288"/>
-                </a:cubicBezTo>
-                <a:cubicBezTo>
-                  <a:pt x="4406658" y="9746"/>
-                  <a:pt x="4239221" y="41551"/>
-                  <a:pt x="4043088" y="18288"/>
-                </a:cubicBezTo>
-                <a:cubicBezTo>
-                  <a:pt x="3846955" y="-4975"/>
-                  <a:pt x="3818802" y="34658"/>
-                  <a:pt x="3690336" y="18288"/>
-                </a:cubicBezTo>
-                <a:cubicBezTo>
-                  <a:pt x="3561870" y="1918"/>
-                  <a:pt x="3265491" y="42194"/>
-                  <a:pt x="3120504" y="18288"/>
-                </a:cubicBezTo>
-                <a:cubicBezTo>
-                  <a:pt x="2975517" y="-5618"/>
-                  <a:pt x="2720254" y="36673"/>
-                  <a:pt x="2333595" y="18288"/>
-                </a:cubicBezTo>
-                <a:cubicBezTo>
-                  <a:pt x="1946936" y="-97"/>
-                  <a:pt x="2097241" y="5776"/>
-                  <a:pt x="1872303" y="18288"/>
-                </a:cubicBezTo>
-                <a:cubicBezTo>
-                  <a:pt x="1647365" y="30800"/>
-                  <a:pt x="1282708" y="45380"/>
-                  <a:pt x="976854" y="18288"/>
-                </a:cubicBezTo>
-                <a:cubicBezTo>
-                  <a:pt x="671000" y="-8804"/>
-                  <a:pt x="408401" y="-12775"/>
-                  <a:pt x="0" y="18288"/>
-                </a:cubicBezTo>
-                <a:cubicBezTo>
-                  <a:pt x="-213" y="9468"/>
-                  <a:pt x="187" y="4459"/>
-                  <a:pt x="0" y="0"/>
-                </a:cubicBezTo>
-                <a:close/>
-              </a:path>
-              <a:path w="10853928" h="18288" stroke="0" extrusionOk="0">
-                <a:moveTo>
-                  <a:pt x="0" y="0"/>
-                </a:moveTo>
-                <a:cubicBezTo>
-                  <a:pt x="267322" y="15284"/>
-                  <a:pt x="415388" y="-21048"/>
-                  <a:pt x="569831" y="0"/>
-                </a:cubicBezTo>
-                <a:cubicBezTo>
-                  <a:pt x="724274" y="21048"/>
-                  <a:pt x="769333" y="-2353"/>
-                  <a:pt x="922584" y="0"/>
-                </a:cubicBezTo>
-                <a:cubicBezTo>
-                  <a:pt x="1075835" y="2353"/>
-                  <a:pt x="1399490" y="-145"/>
-                  <a:pt x="1818033" y="0"/>
-                </a:cubicBezTo>
-                <a:cubicBezTo>
-                  <a:pt x="2236576" y="145"/>
-                  <a:pt x="2145330" y="5482"/>
-                  <a:pt x="2387864" y="0"/>
-                </a:cubicBezTo>
-                <a:cubicBezTo>
-                  <a:pt x="2630398" y="-5482"/>
-                  <a:pt x="2793207" y="18487"/>
-                  <a:pt x="2957695" y="0"/>
-                </a:cubicBezTo>
-                <a:cubicBezTo>
-                  <a:pt x="3122183" y="-18487"/>
-                  <a:pt x="3579141" y="19003"/>
-                  <a:pt x="3853144" y="0"/>
-                </a:cubicBezTo>
-                <a:cubicBezTo>
-                  <a:pt x="4127147" y="-19003"/>
-                  <a:pt x="4209857" y="12211"/>
-                  <a:pt x="4314436" y="0"/>
-                </a:cubicBezTo>
-                <a:cubicBezTo>
-                  <a:pt x="4419015" y="-12211"/>
-                  <a:pt x="4762459" y="-17220"/>
-                  <a:pt x="5209885" y="0"/>
-                </a:cubicBezTo>
-                <a:cubicBezTo>
-                  <a:pt x="5657311" y="17220"/>
-                  <a:pt x="5692663" y="-3290"/>
-                  <a:pt x="6105335" y="0"/>
-                </a:cubicBezTo>
-                <a:cubicBezTo>
-                  <a:pt x="6518007" y="3290"/>
-                  <a:pt x="6455516" y="-5124"/>
-                  <a:pt x="6783705" y="0"/>
-                </a:cubicBezTo>
-                <a:cubicBezTo>
-                  <a:pt x="7111894" y="5124"/>
-                  <a:pt x="7441941" y="-17829"/>
-                  <a:pt x="7679154" y="0"/>
-                </a:cubicBezTo>
-                <a:cubicBezTo>
-                  <a:pt x="7916367" y="17829"/>
-                  <a:pt x="8102967" y="-24363"/>
-                  <a:pt x="8248985" y="0"/>
-                </a:cubicBezTo>
-                <a:cubicBezTo>
-                  <a:pt x="8395003" y="24363"/>
-                  <a:pt x="8552393" y="25505"/>
-                  <a:pt x="8818817" y="0"/>
-                </a:cubicBezTo>
-                <a:cubicBezTo>
-                  <a:pt x="9085241" y="-25505"/>
-                  <a:pt x="9411308" y="38000"/>
-                  <a:pt x="9605726" y="0"/>
-                </a:cubicBezTo>
-                <a:cubicBezTo>
-                  <a:pt x="9800144" y="-38000"/>
-                  <a:pt x="10006468" y="-25741"/>
-                  <a:pt x="10175558" y="0"/>
-                </a:cubicBezTo>
-                <a:cubicBezTo>
-                  <a:pt x="10344648" y="25741"/>
-                  <a:pt x="10696282" y="695"/>
-                  <a:pt x="10853928" y="0"/>
-                </a:cubicBezTo>
-                <a:cubicBezTo>
-                  <a:pt x="10853521" y="8690"/>
-                  <a:pt x="10853774" y="14141"/>
-                  <a:pt x="10853928" y="18288"/>
-                </a:cubicBezTo>
-                <a:cubicBezTo>
-                  <a:pt x="10608124" y="24255"/>
-                  <a:pt x="10343415" y="22307"/>
-                  <a:pt x="10067018" y="18288"/>
-                </a:cubicBezTo>
-                <a:cubicBezTo>
-                  <a:pt x="9790621" y="14270"/>
-                  <a:pt x="9843266" y="3564"/>
-                  <a:pt x="9714266" y="18288"/>
-                </a:cubicBezTo>
-                <a:cubicBezTo>
-                  <a:pt x="9585266" y="33012"/>
-                  <a:pt x="9379484" y="1875"/>
-                  <a:pt x="9252974" y="18288"/>
-                </a:cubicBezTo>
-                <a:cubicBezTo>
-                  <a:pt x="9126464" y="34701"/>
-                  <a:pt x="8580678" y="-4904"/>
-                  <a:pt x="8357525" y="18288"/>
-                </a:cubicBezTo>
-                <a:cubicBezTo>
-                  <a:pt x="8134372" y="41480"/>
-                  <a:pt x="7903199" y="26458"/>
-                  <a:pt x="7679154" y="18288"/>
-                </a:cubicBezTo>
-                <a:cubicBezTo>
-                  <a:pt x="7455109" y="10118"/>
-                  <a:pt x="7435944" y="27109"/>
-                  <a:pt x="7217862" y="18288"/>
-                </a:cubicBezTo>
-                <a:cubicBezTo>
-                  <a:pt x="6999780" y="9467"/>
-                  <a:pt x="6680409" y="18985"/>
-                  <a:pt x="6539492" y="18288"/>
-                </a:cubicBezTo>
-                <a:cubicBezTo>
-                  <a:pt x="6398575" y="17592"/>
-                  <a:pt x="6312077" y="33018"/>
-                  <a:pt x="6186739" y="18288"/>
-                </a:cubicBezTo>
-                <a:cubicBezTo>
-                  <a:pt x="6061401" y="3558"/>
-                  <a:pt x="5947033" y="12075"/>
-                  <a:pt x="5833986" y="18288"/>
-                </a:cubicBezTo>
-                <a:cubicBezTo>
-                  <a:pt x="5720939" y="24501"/>
-                  <a:pt x="5482226" y="8586"/>
-                  <a:pt x="5155616" y="18288"/>
-                </a:cubicBezTo>
-                <a:cubicBezTo>
-                  <a:pt x="4829006" y="27991"/>
-                  <a:pt x="4841274" y="29316"/>
-                  <a:pt x="4694324" y="18288"/>
-                </a:cubicBezTo>
-                <a:cubicBezTo>
-                  <a:pt x="4547374" y="7260"/>
-                  <a:pt x="4077675" y="7013"/>
-                  <a:pt x="3907414" y="18288"/>
-                </a:cubicBezTo>
-                <a:cubicBezTo>
-                  <a:pt x="3737153" y="29564"/>
-                  <a:pt x="3538393" y="21630"/>
-                  <a:pt x="3446122" y="18288"/>
-                </a:cubicBezTo>
-                <a:cubicBezTo>
-                  <a:pt x="3353851" y="14946"/>
-                  <a:pt x="2990320" y="-8091"/>
-                  <a:pt x="2659212" y="18288"/>
-                </a:cubicBezTo>
-                <a:cubicBezTo>
-                  <a:pt x="2328104" y="44667"/>
-                  <a:pt x="2427653" y="9607"/>
-                  <a:pt x="2306460" y="18288"/>
-                </a:cubicBezTo>
-                <a:cubicBezTo>
-                  <a:pt x="2185267" y="26969"/>
-                  <a:pt x="1719763" y="3717"/>
-                  <a:pt x="1519550" y="18288"/>
-                </a:cubicBezTo>
-                <a:cubicBezTo>
-                  <a:pt x="1319337" y="32860"/>
-                  <a:pt x="1167371" y="17040"/>
-                  <a:pt x="1058258" y="18288"/>
-                </a:cubicBezTo>
-                <a:cubicBezTo>
-                  <a:pt x="949145" y="19536"/>
-                  <a:pt x="780234" y="31447"/>
-                  <a:pt x="705505" y="18288"/>
-                </a:cubicBezTo>
-                <a:cubicBezTo>
-                  <a:pt x="630776" y="5129"/>
-                  <a:pt x="215796" y="30056"/>
-                  <a:pt x="0" y="18288"/>
-                </a:cubicBezTo>
-                <a:cubicBezTo>
-                  <a:pt x="-53" y="11301"/>
-                  <a:pt x="-649" y="7756"/>
-                  <a:pt x="0" y="0"/>
-                </a:cubicBezTo>
-                <a:close/>
-              </a:path>
-            </a:pathLst>
-          </a:custGeom>
-          <a:solidFill>
-            <a:schemeClr val="accent2"/>
-          </a:solidFill>
-          <a:ln w="41275" cap="rnd">
-            <a:solidFill>
-              <a:schemeClr val="accent2"/>
-            </a:solidFill>
-            <a:round/>
-            <a:extLst>
-              <a:ext uri="{C807C97D-BFC1-408E-A445-0C87EB9F89A2}">
-                <ask:lineSketchStyleProps xmlns:ask="http://schemas.microsoft.com/office/drawing/2018/sketchyshapes" sd="1219033472">
-                  <a:prstGeom prst="rect">
-                    <a:avLst/>
-                  </a:prstGeom>
-                  <ask:type>
-                    <ask:lineSketchFreehand/>
-                  </ask:type>
-                </ask:lineSketchStyleProps>
-              </a:ext>
-            </a:extLst>
-          </a:ln>
-        </p:spPr>
-        <p:style>
-          <a:lnRef idx="2">
-            <a:schemeClr val="accent1">
-              <a:shade val="50000"/>
-            </a:schemeClr>
-          </a:lnRef>
-          <a:fillRef idx="1">
-            <a:schemeClr val="accent1"/>
-          </a:fillRef>
-          <a:effectRef idx="0">
-            <a:schemeClr val="accent1"/>
-          </a:effectRef>
-          <a:fontRef idx="minor">
-            <a:schemeClr val="lt1"/>
-          </a:fontRef>
-        </p:style>
-        <p:txBody>
-          <a:bodyPr rtlCol="0" anchor="ctr"/>
-          <a:lstStyle/>
-          <a:p>
-            <a:pPr algn="ctr"/>
-            <a:endParaRPr lang="en-US"/>
-          </a:p>
-        </p:txBody>
-      </p:sp>
-      <p:sp>
-        <p:nvSpPr>
-          <p:cNvPr id="3" name="Content Placeholder 2">
-            <a:extLst>
-              <a:ext uri="{FF2B5EF4-FFF2-40B4-BE49-F238E27FC236}">
-                <a16:creationId xmlns:a16="http://schemas.microsoft.com/office/drawing/2014/main" id="{E56CC786-7168-B1C7-61FA-9D46055AFC7C}"/>
-              </a:ext>
-            </a:extLst>
-          </p:cNvPr>
-          <p:cNvSpPr>
-            <a:spLocks noGrp="1"/>
-          </p:cNvSpPr>
-          <p:nvPr>
-            <p:ph idx="1"/>
-          </p:nvPr>
-        </p:nvSpPr>
-        <p:spPr>
-          <a:xfrm>
-            <a:off x="838199" y="1929383"/>
-            <a:ext cx="10853927" cy="4563491"/>
-          </a:xfrm>
-        </p:spPr>
-        <p:txBody>
-          <a:bodyPr>
-            <a:noAutofit/>
-          </a:bodyPr>
-          <a:lstStyle/>
-          <a:p>
-            <a:r>
-              <a:rPr lang="en-GB" sz="1400" b="0" i="0" dirty="0">
-                <a:effectLst/>
-              </a:rPr>
-              <a:t>A resize operation comes in two types:</a:t>
-            </a:r>
-          </a:p>
-          <a:p>
-            <a:pPr>
-              <a:buFont typeface="Arial" panose="020B0604020202020204" pitchFamily="34" charset="0"/>
-              <a:buChar char="•"/>
-            </a:pPr>
-            <a:r>
-              <a:rPr lang="en-GB" sz="1400" b="1" i="0" dirty="0">
-                <a:effectLst/>
-                <a:highlight>
-                  <a:srgbClr val="FFFF00"/>
-                </a:highlight>
-              </a:rPr>
-              <a:t>Elastic resize</a:t>
-            </a:r>
-            <a:r>
-              <a:rPr lang="en-GB" sz="1400" b="0" i="0" dirty="0">
-                <a:effectLst/>
-                <a:highlight>
-                  <a:srgbClr val="FFFF00"/>
-                </a:highlight>
-              </a:rPr>
-              <a:t> </a:t>
-            </a:r>
-            <a:r>
-              <a:rPr lang="en-GB" sz="1400" b="0" i="0" dirty="0">
-                <a:effectLst/>
-              </a:rPr>
-              <a:t>– You can add nodes to or remove nodes from your cluster. </a:t>
-            </a:r>
-          </a:p>
-          <a:p>
-            <a:pPr lvl="1"/>
-            <a:r>
-              <a:rPr lang="en-GB" sz="1400" b="0" i="0" dirty="0">
-                <a:effectLst/>
-              </a:rPr>
-              <a:t>You can also change the node type, such as from DS2 nodes to RA3 nodes.</a:t>
-            </a:r>
-          </a:p>
-          <a:p>
-            <a:pPr lvl="1"/>
-            <a:r>
-              <a:rPr lang="en-GB" sz="1400" b="0" i="0" dirty="0">
-                <a:effectLst/>
-              </a:rPr>
-              <a:t>Elastic resize is a fast operation, typically completing in minutes. </a:t>
-            </a:r>
-          </a:p>
-          <a:p>
-            <a:pPr lvl="1"/>
-            <a:r>
-              <a:rPr lang="en-GB" sz="1400" b="0" i="0" dirty="0">
-                <a:effectLst/>
-              </a:rPr>
-              <a:t>For this reason, we recommend it as a first option.</a:t>
-            </a:r>
-          </a:p>
-          <a:p>
-            <a:pPr lvl="1"/>
-            <a:r>
-              <a:rPr lang="en-GB" sz="1400" b="0" i="0" dirty="0">
-                <a:effectLst/>
-              </a:rPr>
-              <a:t>When you perform an elastic resize, it redistributes data slices, which are partitions that are allocated memory and disk space in each node. </a:t>
-            </a:r>
-          </a:p>
-          <a:p>
-            <a:pPr lvl="1"/>
-            <a:r>
-              <a:rPr lang="en-GB" sz="1400" b="0" i="0" dirty="0">
-                <a:effectLst/>
-              </a:rPr>
-              <a:t>Elastic resize is appropriate when you:</a:t>
-            </a:r>
-          </a:p>
-          <a:p>
-            <a:pPr lvl="2"/>
-            <a:r>
-              <a:rPr lang="en-GB" sz="1400" b="1" i="1" dirty="0">
-                <a:effectLst/>
-              </a:rPr>
-              <a:t>Add or reduce nodes in an existing cluster, but you don't change the node type</a:t>
-            </a:r>
-            <a:r>
-              <a:rPr lang="en-GB" sz="1400" b="1" i="0" dirty="0">
-                <a:effectLst/>
-              </a:rPr>
-              <a:t> </a:t>
-            </a:r>
-            <a:r>
-              <a:rPr lang="en-GB" sz="1400" b="0" i="0" dirty="0">
-                <a:effectLst/>
-              </a:rPr>
-              <a:t>– This is commonly called an </a:t>
-            </a:r>
-            <a:r>
-              <a:rPr lang="en-GB" sz="1400" b="1" i="1" dirty="0">
-                <a:effectLst/>
-              </a:rPr>
-              <a:t>in-place</a:t>
-            </a:r>
-            <a:r>
-              <a:rPr lang="en-GB" sz="1400" b="1" i="0" dirty="0">
-                <a:effectLst/>
-              </a:rPr>
-              <a:t> resize</a:t>
-            </a:r>
-            <a:r>
-              <a:rPr lang="en-GB" sz="1400" b="0" i="0" dirty="0">
-                <a:effectLst/>
-              </a:rPr>
-              <a:t>. When you perform this type of resize, some running queries complete successfully, but others can be dropped as part of the operation. An elastic resize completes within a few minutes.</a:t>
-            </a:r>
-          </a:p>
-          <a:p>
-            <a:pPr lvl="2"/>
-            <a:r>
-              <a:rPr lang="en-GB" sz="1400" b="1" i="1" dirty="0">
-                <a:effectLst/>
-              </a:rPr>
-              <a:t>Change the node type for a cluster</a:t>
-            </a:r>
-            <a:r>
-              <a:rPr lang="en-GB" sz="1400" b="1" i="0" dirty="0">
-                <a:effectLst/>
-              </a:rPr>
-              <a:t> </a:t>
-            </a:r>
-            <a:r>
-              <a:rPr lang="en-GB" sz="1400" b="0" i="0" dirty="0">
-                <a:effectLst/>
-              </a:rPr>
-              <a:t>– When you change the node type, a snapshot is created and data is redistributed from the source cluster to a cluster comprised of the new node type. On completion, running queries are dropped. Like the </a:t>
-            </a:r>
-            <a:r>
-              <a:rPr lang="en-GB" sz="1400" b="0" i="1" dirty="0">
-                <a:effectLst/>
-              </a:rPr>
-              <a:t>in-place</a:t>
-            </a:r>
-            <a:r>
-              <a:rPr lang="en-GB" sz="1400" b="0" i="0" dirty="0">
-                <a:effectLst/>
-              </a:rPr>
-              <a:t> resize, it completes quickly.</a:t>
-            </a:r>
-          </a:p>
-          <a:p>
-            <a:pPr>
-              <a:buFont typeface="Arial" panose="020B0604020202020204" pitchFamily="34" charset="0"/>
-              <a:buChar char="•"/>
-            </a:pPr>
-            <a:r>
-              <a:rPr lang="en-GB" sz="1400" b="1" i="0" dirty="0">
-                <a:effectLst/>
-                <a:highlight>
-                  <a:srgbClr val="FFFF00"/>
-                </a:highlight>
-              </a:rPr>
-              <a:t>Classic resize</a:t>
-            </a:r>
-            <a:r>
-              <a:rPr lang="en-GB" sz="1400" b="0" i="0" dirty="0">
-                <a:effectLst/>
-                <a:highlight>
-                  <a:srgbClr val="FFFF00"/>
-                </a:highlight>
-              </a:rPr>
-              <a:t> </a:t>
-            </a:r>
-            <a:r>
-              <a:rPr lang="en-GB" sz="1400" b="0" i="0" dirty="0">
-                <a:effectLst/>
-              </a:rPr>
-              <a:t>– You can change the node type, number of nodes, or both, in a similar manner to elastic resize. </a:t>
-            </a:r>
-          </a:p>
-          <a:p>
-            <a:pPr>
-              <a:buFont typeface="Arial" panose="020B0604020202020204" pitchFamily="34" charset="0"/>
-              <a:buChar char="•"/>
-            </a:pPr>
-            <a:r>
-              <a:rPr lang="en-GB" sz="1400" b="0" i="0" dirty="0">
-                <a:effectLst/>
-              </a:rPr>
-              <a:t>Classic resize takes more time to complete, but it can be useful in cases where the change in node count or the node type to migrate to doesn't fall within the bounds for elastic resize. </a:t>
-            </a:r>
-          </a:p>
-          <a:p>
-            <a:pPr>
-              <a:buFont typeface="Arial" panose="020B0604020202020204" pitchFamily="34" charset="0"/>
-              <a:buChar char="•"/>
-            </a:pPr>
-            <a:r>
-              <a:rPr lang="en-GB" sz="1400" b="0" i="0" dirty="0">
-                <a:effectLst/>
-              </a:rPr>
-              <a:t>This can apply, for instance, when the change in node count is really large.</a:t>
-            </a:r>
-          </a:p>
-        </p:txBody>
-      </p:sp>
-    </p:spTree>
-    <p:extLst>
-      <p:ext uri="{BB962C8B-B14F-4D97-AF65-F5344CB8AC3E}">
-        <p14:creationId xmlns:p14="http://schemas.microsoft.com/office/powerpoint/2010/main" val="3270015526"/>
-      </p:ext>
-    </p:extLst>
-  </p:cSld>
-  <p:clrMapOvr>
-    <a:masterClrMapping/>
-  </p:clrMapOvr>
-</p:sld>
-</file>
-
-<file path=ppt/slides/slide7.xml><?xml version="1.0" encoding="utf-8"?>
 <p:sld xmlns:a="http://schemas.openxmlformats.org/drawingml/2006/main" xmlns:r="http://schemas.openxmlformats.org/officeDocument/2006/relationships" xmlns:p="http://schemas.openxmlformats.org/presentationml/2006/main">
   <p:cSld>
     <p:bg>
@@ -12756,7 +11297,7 @@
 </p:sld>
 </file>
 
-<file path=ppt/slides/slide8.xml><?xml version="1.0" encoding="utf-8"?>
+<file path=ppt/slides/slide7.xml><?xml version="1.0" encoding="utf-8"?>
 <p:sld xmlns:a="http://schemas.openxmlformats.org/drawingml/2006/main" xmlns:r="http://schemas.openxmlformats.org/officeDocument/2006/relationships" xmlns:p="http://schemas.openxmlformats.org/presentationml/2006/main">
   <p:cSld>
     <p:bg>
@@ -13299,7 +11840,7 @@
 </p:sld>
 </file>
 
-<file path=ppt/slides/slide9.xml><?xml version="1.0" encoding="utf-8"?>
+<file path=ppt/slides/slide8.xml><?xml version="1.0" encoding="utf-8"?>
 <p:sld xmlns:a="http://schemas.openxmlformats.org/drawingml/2006/main" xmlns:r="http://schemas.openxmlformats.org/officeDocument/2006/relationships" xmlns:p="http://schemas.openxmlformats.org/presentationml/2006/main">
   <p:cSld>
     <p:bg>
@@ -13727,6 +12268,206 @@
     <p:extLst>
       <p:ext uri="{BB962C8B-B14F-4D97-AF65-F5344CB8AC3E}">
         <p14:creationId xmlns:p14="http://schemas.microsoft.com/office/powerpoint/2010/main" val="1506772677"/>
+      </p:ext>
+    </p:extLst>
+  </p:cSld>
+  <p:clrMapOvr>
+    <a:masterClrMapping/>
+  </p:clrMapOvr>
+</p:sld>
+</file>
+
+<file path=ppt/slides/slide9.xml><?xml version="1.0" encoding="utf-8"?>
+<p:sld xmlns:a="http://schemas.openxmlformats.org/drawingml/2006/main" xmlns:r="http://schemas.openxmlformats.org/officeDocument/2006/relationships" xmlns:p="http://schemas.openxmlformats.org/presentationml/2006/main">
+  <p:cSld>
+    <p:spTree>
+      <p:nvGrpSpPr>
+        <p:cNvPr id="1" name=""/>
+        <p:cNvGrpSpPr/>
+        <p:nvPr/>
+      </p:nvGrpSpPr>
+      <p:grpSpPr>
+        <a:xfrm>
+          <a:off x="0" y="0"/>
+          <a:ext cx="0" cy="0"/>
+          <a:chOff x="0" y="0"/>
+          <a:chExt cx="0" cy="0"/>
+        </a:xfrm>
+      </p:grpSpPr>
+      <p:sp>
+        <p:nvSpPr>
+          <p:cNvPr id="2" name="Title 1">
+            <a:extLst>
+              <a:ext uri="{FF2B5EF4-FFF2-40B4-BE49-F238E27FC236}">
+                <a16:creationId xmlns:a16="http://schemas.microsoft.com/office/drawing/2014/main" id="{00283787-3F10-0CC2-B9A7-7A34BCAC818C}"/>
+              </a:ext>
+            </a:extLst>
+          </p:cNvPr>
+          <p:cNvSpPr>
+            <a:spLocks noGrp="1"/>
+          </p:cNvSpPr>
+          <p:nvPr>
+            <p:ph type="title"/>
+          </p:nvPr>
+        </p:nvSpPr>
+        <p:spPr/>
+        <p:txBody>
+          <a:bodyPr>
+            <a:normAutofit/>
+          </a:bodyPr>
+          <a:lstStyle/>
+          <a:p>
+            <a:r>
+              <a:rPr lang="en-CH" dirty="0"/>
+              <a:t>Redshift Load Data: </a:t>
+            </a:r>
+            <a:r>
+              <a:rPr lang="en-GB" b="0" i="0" dirty="0">
+                <a:solidFill>
+                  <a:srgbClr val="32325D"/>
+                </a:solidFill>
+                <a:effectLst/>
+                <a:latin typeface="proxima-nova"/>
+              </a:rPr>
+              <a:t>Redshift COPY</a:t>
+            </a:r>
+            <a:endParaRPr lang="en-CH" dirty="0"/>
+          </a:p>
+        </p:txBody>
+      </p:sp>
+      <p:sp>
+        <p:nvSpPr>
+          <p:cNvPr id="3" name="Content Placeholder 2">
+            <a:extLst>
+              <a:ext uri="{FF2B5EF4-FFF2-40B4-BE49-F238E27FC236}">
+                <a16:creationId xmlns:a16="http://schemas.microsoft.com/office/drawing/2014/main" id="{7EA516EB-779F-BC57-ABAD-8F512645F6C6}"/>
+              </a:ext>
+            </a:extLst>
+          </p:cNvPr>
+          <p:cNvSpPr>
+            <a:spLocks noGrp="1"/>
+          </p:cNvSpPr>
+          <p:nvPr>
+            <p:ph idx="1"/>
+          </p:nvPr>
+        </p:nvSpPr>
+        <p:spPr>
+          <a:xfrm>
+            <a:off x="838200" y="1825625"/>
+            <a:ext cx="5394434" cy="4351338"/>
+          </a:xfrm>
+        </p:spPr>
+        <p:txBody>
+          <a:bodyPr>
+            <a:normAutofit/>
+          </a:bodyPr>
+          <a:lstStyle/>
+          <a:p>
+            <a:r>
+              <a:rPr lang="en-GB" b="0" i="0" dirty="0">
+                <a:solidFill>
+                  <a:srgbClr val="212529"/>
+                </a:solidFill>
+                <a:effectLst/>
+                <a:latin typeface="SFMono-Regular"/>
+              </a:rPr>
+              <a:t>COPY table-name [ column-list ] FROM </a:t>
+            </a:r>
+            <a:r>
+              <a:rPr lang="en-GB" b="0" i="0" dirty="0" err="1">
+                <a:solidFill>
+                  <a:srgbClr val="212529"/>
+                </a:solidFill>
+                <a:effectLst/>
+                <a:latin typeface="SFMono-Regular"/>
+              </a:rPr>
+              <a:t>data_source</a:t>
+            </a:r>
+            <a:r>
+              <a:rPr lang="en-GB" b="0" i="0" dirty="0">
+                <a:solidFill>
+                  <a:srgbClr val="212529"/>
+                </a:solidFill>
+                <a:effectLst/>
+                <a:latin typeface="SFMono-Regular"/>
+              </a:rPr>
+              <a:t> authorization [ [ FORMAT ] [ AS ] </a:t>
+            </a:r>
+            <a:r>
+              <a:rPr lang="en-GB" b="0" i="0" dirty="0" err="1">
+                <a:solidFill>
+                  <a:srgbClr val="212529"/>
+                </a:solidFill>
+                <a:effectLst/>
+                <a:latin typeface="SFMono-Regular"/>
+              </a:rPr>
+              <a:t>data_format</a:t>
+            </a:r>
+            <a:r>
+              <a:rPr lang="en-GB" b="0" i="0" dirty="0">
+                <a:solidFill>
+                  <a:srgbClr val="212529"/>
+                </a:solidFill>
+                <a:effectLst/>
+                <a:latin typeface="SFMono-Regular"/>
+              </a:rPr>
+              <a:t> ] [ parameter [ argument ] [, ... ] ]</a:t>
+            </a:r>
+            <a:endParaRPr lang="en-CH" dirty="0"/>
+          </a:p>
+        </p:txBody>
+      </p:sp>
+      <p:pic>
+        <p:nvPicPr>
+          <p:cNvPr id="6146" name="Picture 2" descr="Redshift COPY Command: Use of Copy Command | Hevo Data">
+            <a:extLst>
+              <a:ext uri="{FF2B5EF4-FFF2-40B4-BE49-F238E27FC236}">
+                <a16:creationId xmlns:a16="http://schemas.microsoft.com/office/drawing/2014/main" id="{DFB60A51-D578-4E6C-5082-D41198344FAD}"/>
+              </a:ext>
+            </a:extLst>
+          </p:cNvPr>
+          <p:cNvPicPr>
+            <a:picLocks noChangeAspect="1" noChangeArrowheads="1"/>
+          </p:cNvPicPr>
+          <p:nvPr/>
+        </p:nvPicPr>
+        <p:blipFill>
+          <a:blip r:embed="rId2">
+            <a:extLst>
+              <a:ext uri="{28A0092B-C50C-407E-A947-70E740481C1C}">
+                <a14:useLocalDpi xmlns:a14="http://schemas.microsoft.com/office/drawing/2010/main" val="0"/>
+              </a:ext>
+            </a:extLst>
+          </a:blip>
+          <a:srcRect/>
+          <a:stretch>
+            <a:fillRect/>
+          </a:stretch>
+        </p:blipFill>
+        <p:spPr bwMode="auto">
+          <a:xfrm>
+            <a:off x="7204268" y="2134672"/>
+            <a:ext cx="4765309" cy="2588655"/>
+          </a:xfrm>
+          <a:prstGeom prst="rect">
+            <a:avLst/>
+          </a:prstGeom>
+          <a:noFill/>
+          <a:extLst>
+            <a:ext uri="{909E8E84-426E-40DD-AFC4-6F175D3DCCD1}">
+              <a14:hiddenFill xmlns:a14="http://schemas.microsoft.com/office/drawing/2010/main">
+                <a:solidFill>
+                  <a:srgbClr val="FFFFFF"/>
+                </a:solidFill>
+              </a14:hiddenFill>
+            </a:ext>
+          </a:extLst>
+        </p:spPr>
+      </p:pic>
+    </p:spTree>
+    <p:extLst>
+      <p:ext uri="{BB962C8B-B14F-4D97-AF65-F5344CB8AC3E}">
+        <p14:creationId xmlns:p14="http://schemas.microsoft.com/office/powerpoint/2010/main" val="1723649589"/>
       </p:ext>
     </p:extLst>
   </p:cSld>
